--- a/FSU_Spolaor_1.18.pptx
+++ b/FSU_Spolaor_1.18.pptx
@@ -5,30 +5,22 @@
     <p:sldMasterId id="2147483648" r:id="rId1"/>
   </p:sldMasterIdLst>
   <p:notesMasterIdLst>
-    <p:notesMasterId r:id="rId15"/>
+    <p:notesMasterId r:id="rId7"/>
   </p:notesMasterIdLst>
   <p:handoutMasterIdLst>
-    <p:handoutMasterId r:id="rId16"/>
+    <p:handoutMasterId r:id="rId8"/>
   </p:handoutMasterIdLst>
   <p:sldIdLst>
-    <p:sldId id="735" r:id="rId2"/>
-    <p:sldId id="736" r:id="rId3"/>
-    <p:sldId id="743" r:id="rId4"/>
-    <p:sldId id="741" r:id="rId5"/>
-    <p:sldId id="742" r:id="rId6"/>
-    <p:sldId id="744" r:id="rId7"/>
-    <p:sldId id="745" r:id="rId8"/>
-    <p:sldId id="746" r:id="rId9"/>
-    <p:sldId id="751" r:id="rId10"/>
-    <p:sldId id="748" r:id="rId11"/>
-    <p:sldId id="749" r:id="rId12"/>
-    <p:sldId id="750" r:id="rId13"/>
-    <p:sldId id="747" r:id="rId14"/>
+    <p:sldId id="743" r:id="rId2"/>
+    <p:sldId id="741" r:id="rId3"/>
+    <p:sldId id="742" r:id="rId4"/>
+    <p:sldId id="744" r:id="rId5"/>
+    <p:sldId id="745" r:id="rId6"/>
   </p:sldIdLst>
   <p:sldSz cx="9144000" cy="6858000" type="screen4x3"/>
   <p:notesSz cx="7010400" cy="9296400"/>
   <p:custDataLst>
-    <p:tags r:id="rId17"/>
+    <p:tags r:id="rId9"/>
   </p:custDataLst>
   <p:defaultTextStyle>
     <a:defPPr>
@@ -283,7 +275,7 @@
               <a:pPr>
                 <a:defRPr/>
               </a:pPr>
-              <a:t>1/17/2018</a:t>
+              <a:t>2/4/2018</a:t>
             </a:fld>
             <a:endParaRPr lang="en-US"/>
           </a:p>
@@ -482,7 +474,7 @@
               <a:pPr>
                 <a:defRPr/>
               </a:pPr>
-              <a:t>1/17/2018</a:t>
+              <a:t>2/4/2018</a:t>
             </a:fld>
             <a:endParaRPr lang="en-US" dirty="0"/>
           </a:p>
@@ -4526,153 +4518,6 @@
       </p:grpSpPr>
       <p:sp>
         <p:nvSpPr>
-          <p:cNvPr id="11" name="TextBox 10"/>
-          <p:cNvSpPr txBox="1"/>
-          <p:nvPr/>
-        </p:nvSpPr>
-        <p:spPr>
-          <a:xfrm>
-            <a:off x="549627" y="2900499"/>
-            <a:ext cx="8044745" cy="1569660"/>
-          </a:xfrm>
-          <a:prstGeom prst="rect">
-            <a:avLst/>
-          </a:prstGeom>
-          <a:noFill/>
-        </p:spPr>
-        <p:txBody>
-          <a:bodyPr wrap="square" rtlCol="0">
-            <a:spAutoFit/>
-          </a:bodyPr>
-          <a:lstStyle/>
-          <a:p>
-            <a:pPr algn="ctr"/>
-            <a:r>
-              <a:rPr lang="en-US" sz="4000" b="1" dirty="0">
-                <a:latin typeface="Segoe UI Black" panose="020B0A02040204020203" pitchFamily="34" charset="0"/>
-                <a:ea typeface="Segoe UI Black" panose="020B0A02040204020203" pitchFamily="34" charset="0"/>
-                <a:cs typeface="Segoe UI Black" panose="020B0A02040204020203" pitchFamily="34" charset="0"/>
-              </a:rPr>
-              <a:t>NASA IV&amp;V – FSU </a:t>
-            </a:r>
-          </a:p>
-          <a:p>
-            <a:pPr algn="ctr"/>
-            <a:r>
-              <a:rPr lang="en-US" sz="4000" b="1" dirty="0">
-                <a:latin typeface="Segoe UI Black" panose="020B0A02040204020203" pitchFamily="34" charset="0"/>
-                <a:ea typeface="Segoe UI Black" panose="020B0A02040204020203" pitchFamily="34" charset="0"/>
-                <a:cs typeface="Segoe UI Black" panose="020B0A02040204020203" pitchFamily="34" charset="0"/>
-              </a:rPr>
-              <a:t>Monte Carlo Simulation Project</a:t>
-            </a:r>
-            <a:endParaRPr lang="en-US" sz="3600" b="1" dirty="0"/>
-          </a:p>
-          <a:p>
-            <a:pPr algn="ctr"/>
-            <a:r>
-              <a:rPr lang="en-US" sz="1600" b="1" dirty="0"/>
-              <a:t> </a:t>
-            </a:r>
-          </a:p>
-        </p:txBody>
-      </p:sp>
-      <p:sp>
-        <p:nvSpPr>
-          <p:cNvPr id="3" name="TextBox 2">
-            <a:extLst>
-              <a:ext uri="{FF2B5EF4-FFF2-40B4-BE49-F238E27FC236}">
-                <a16:creationId xmlns:a16="http://schemas.microsoft.com/office/drawing/2014/main" id="{016CD673-BC88-4E73-9621-90BCC5F8EFB7}"/>
-              </a:ext>
-            </a:extLst>
-          </p:cNvPr>
-          <p:cNvSpPr txBox="1"/>
-          <p:nvPr/>
-        </p:nvSpPr>
-        <p:spPr>
-          <a:xfrm>
-            <a:off x="6176211" y="5229727"/>
-            <a:ext cx="2418161" cy="1015663"/>
-          </a:xfrm>
-          <a:prstGeom prst="rect">
-            <a:avLst/>
-          </a:prstGeom>
-          <a:noFill/>
-        </p:spPr>
-        <p:txBody>
-          <a:bodyPr wrap="square" rtlCol="0">
-            <a:spAutoFit/>
-          </a:bodyPr>
-          <a:lstStyle/>
-          <a:p>
-            <a:r>
-              <a:rPr lang="en-US" sz="1200" dirty="0"/>
-              <a:t>Max </a:t>
-            </a:r>
-            <a:r>
-              <a:rPr lang="en-US" sz="1200" dirty="0" err="1"/>
-              <a:t>Spolaor</a:t>
-            </a:r>
-            <a:r>
-              <a:rPr lang="en-US" sz="1200" dirty="0"/>
-              <a:t>, Ph.D.</a:t>
-            </a:r>
-          </a:p>
-          <a:p>
-            <a:r>
-              <a:rPr lang="en-US" sz="1200" dirty="0"/>
-              <a:t>Sr. Systems Engineer</a:t>
-            </a:r>
-          </a:p>
-          <a:p>
-            <a:endParaRPr lang="en-US" sz="1200" dirty="0"/>
-          </a:p>
-          <a:p>
-            <a:r>
-              <a:rPr lang="en-US" sz="1200" dirty="0"/>
-              <a:t>NASA IV&amp;V - ITC - JSTAR Team</a:t>
-            </a:r>
-          </a:p>
-          <a:p>
-            <a:r>
-              <a:rPr lang="en-US" sz="1200" dirty="0"/>
-              <a:t>TMC Technologies</a:t>
-            </a:r>
-          </a:p>
-        </p:txBody>
-      </p:sp>
-    </p:spTree>
-    <p:extLst>
-      <p:ext uri="{BB962C8B-B14F-4D97-AF65-F5344CB8AC3E}">
-        <p14:creationId xmlns:p14="http://schemas.microsoft.com/office/powerpoint/2010/main" val="1623546374"/>
-      </p:ext>
-    </p:extLst>
-  </p:cSld>
-  <p:clrMapOvr>
-    <a:masterClrMapping/>
-  </p:clrMapOvr>
-</p:sld>
-</file>
-
-<file path=ppt/slides/slide10.xml><?xml version="1.0" encoding="utf-8"?>
-<p:sld xmlns:a="http://schemas.openxmlformats.org/drawingml/2006/main" xmlns:r="http://schemas.openxmlformats.org/officeDocument/2006/relationships" xmlns:p="http://schemas.openxmlformats.org/presentationml/2006/main">
-  <p:cSld>
-    <p:spTree>
-      <p:nvGrpSpPr>
-        <p:cNvPr id="1" name=""/>
-        <p:cNvGrpSpPr/>
-        <p:nvPr/>
-      </p:nvGrpSpPr>
-      <p:grpSpPr>
-        <a:xfrm>
-          <a:off x="0" y="0"/>
-          <a:ext cx="0" cy="0"/>
-          <a:chOff x="0" y="0"/>
-          <a:chExt cx="0" cy="0"/>
-        </a:xfrm>
-      </p:grpSpPr>
-      <p:sp>
-        <p:nvSpPr>
           <p:cNvPr id="2" name="Title 1"/>
           <p:cNvSpPr>
             <a:spLocks noGrp="1"/>
@@ -4688,9 +4533,40 @@
           <a:p>
             <a:r>
               <a:rPr lang="en-US" sz="1800" dirty="0"/>
-              <a:t>Project #2: Spring Pendulum</a:t>
-            </a:r>
-            <a:endParaRPr lang="en-US" sz="1200" dirty="0"/>
+              <a:t>Project #1: Satellite Directional Stability</a:t>
+            </a:r>
+            <a:br>
+              <a:rPr lang="en-US" sz="1800" dirty="0"/>
+            </a:br>
+            <a:r>
+              <a:rPr lang="en-US" sz="1200" dirty="0"/>
+              <a:t>(Introduction to the problem)</a:t>
+            </a:r>
+          </a:p>
+        </p:txBody>
+      </p:sp>
+      <p:sp>
+        <p:nvSpPr>
+          <p:cNvPr id="7" name="Footer Placeholder 6"/>
+          <p:cNvSpPr>
+            <a:spLocks noGrp="1"/>
+          </p:cNvSpPr>
+          <p:nvPr>
+            <p:ph type="ftr" sz="quarter" idx="11"/>
+          </p:nvPr>
+        </p:nvSpPr>
+        <p:spPr/>
+        <p:txBody>
+          <a:bodyPr/>
+          <a:lstStyle/>
+          <a:p>
+            <a:pPr>
+              <a:defRPr/>
+            </a:pPr>
+            <a:r>
+              <a:rPr lang="en-US"/>
+              <a:t>NASA IV&amp;V JSTAR </a:t>
+            </a:r>
           </a:p>
         </p:txBody>
       </p:sp>
@@ -4717,1779 +4593,7 @@
               <a:pPr>
                 <a:defRPr/>
               </a:pPr>
-              <a:t>10</a:t>
-            </a:fld>
-            <a:endParaRPr lang="en-US" dirty="0"/>
-          </a:p>
-        </p:txBody>
-      </p:sp>
-      <p:sp>
-        <p:nvSpPr>
-          <p:cNvPr id="9" name="TextBox 8">
-            <a:extLst>
-              <a:ext uri="{FF2B5EF4-FFF2-40B4-BE49-F238E27FC236}">
-                <a16:creationId xmlns:a16="http://schemas.microsoft.com/office/drawing/2014/main" id="{7D9F1A11-7CB1-4D44-93A8-5F48688016FE}"/>
-              </a:ext>
-            </a:extLst>
-          </p:cNvPr>
-          <p:cNvSpPr txBox="1"/>
-          <p:nvPr/>
-        </p:nvSpPr>
-        <p:spPr>
-          <a:xfrm>
-            <a:off x="333810" y="1403233"/>
-            <a:ext cx="8381866" cy="553998"/>
-          </a:xfrm>
-          <a:prstGeom prst="rect">
-            <a:avLst/>
-          </a:prstGeom>
-          <a:noFill/>
-        </p:spPr>
-        <p:txBody>
-          <a:bodyPr wrap="square" rtlCol="0">
-            <a:spAutoFit/>
-          </a:bodyPr>
-          <a:lstStyle/>
-          <a:p>
-            <a:pPr marL="285750" indent="-285750">
-              <a:buFont typeface="Arial" panose="020B0604020202020204" pitchFamily="34" charset="0"/>
-              <a:buChar char="•"/>
-            </a:pPr>
-            <a:endParaRPr lang="en-US" sz="1200" dirty="0"/>
-          </a:p>
-          <a:p>
-            <a:endParaRPr lang="en-US" dirty="0"/>
-          </a:p>
-        </p:txBody>
-      </p:sp>
-      <p:sp>
-        <p:nvSpPr>
-          <p:cNvPr id="3" name="TextBox 2">
-            <a:extLst>
-              <a:ext uri="{FF2B5EF4-FFF2-40B4-BE49-F238E27FC236}">
-                <a16:creationId xmlns:a16="http://schemas.microsoft.com/office/drawing/2014/main" id="{EB4C1D93-8BAE-467D-8F38-501AEC350F51}"/>
-              </a:ext>
-            </a:extLst>
-          </p:cNvPr>
-          <p:cNvSpPr txBox="1"/>
-          <p:nvPr/>
-        </p:nvSpPr>
-        <p:spPr>
-          <a:xfrm>
-            <a:off x="272115" y="1207858"/>
-            <a:ext cx="8505256" cy="1345048"/>
-          </a:xfrm>
-          <a:prstGeom prst="rect">
-            <a:avLst/>
-          </a:prstGeom>
-          <a:noFill/>
-        </p:spPr>
-        <p:txBody>
-          <a:bodyPr wrap="square" rtlCol="0">
-            <a:spAutoFit/>
-          </a:bodyPr>
-          <a:lstStyle/>
-          <a:p>
-            <a:pPr algn="just">
-              <a:lnSpc>
-                <a:spcPct val="150000"/>
-              </a:lnSpc>
-            </a:pPr>
-            <a:r>
-              <a:rPr lang="en-US" sz="1400" dirty="0"/>
-              <a:t>Let’s analyze the state trajectories of the spring pendulum with two different sets of parameter values. The motion is initiated by pulling down on the pendulum 10cm. However, the motions are very different. In Figure a, the pendulum moves up and down but it does not swing much. In Figure b, we note how the shorter length causes the spring to move faster due to the conservation of angular momentum.</a:t>
-            </a:r>
-          </a:p>
-        </p:txBody>
-      </p:sp>
-      <p:pic>
-        <p:nvPicPr>
-          <p:cNvPr id="5" name="Picture 4">
-            <a:extLst>
-              <a:ext uri="{FF2B5EF4-FFF2-40B4-BE49-F238E27FC236}">
-                <a16:creationId xmlns:a16="http://schemas.microsoft.com/office/drawing/2014/main" id="{671707DF-0DDD-4314-B660-DDF6074D5F97}"/>
-              </a:ext>
-            </a:extLst>
-          </p:cNvPr>
-          <p:cNvPicPr>
-            <a:picLocks noChangeAspect="1"/>
-          </p:cNvPicPr>
-          <p:nvPr/>
-        </p:nvPicPr>
-        <p:blipFill rotWithShape="1">
-          <a:blip r:embed="rId2">
-            <a:extLst>
-              <a:ext uri="{28A0092B-C50C-407E-A947-70E740481C1C}">
-                <a14:useLocalDpi xmlns:a14="http://schemas.microsoft.com/office/drawing/2010/main" val="0"/>
-              </a:ext>
-            </a:extLst>
-          </a:blip>
-          <a:srcRect l="5367" t="8142" r="7673" b="3988"/>
-          <a:stretch/>
-        </p:blipFill>
-        <p:spPr>
-          <a:xfrm>
-            <a:off x="1120635" y="2508342"/>
-            <a:ext cx="6873853" cy="2926641"/>
-          </a:xfrm>
-          <a:prstGeom prst="rect">
-            <a:avLst/>
-          </a:prstGeom>
-        </p:spPr>
-      </p:pic>
-      <p:sp>
-        <p:nvSpPr>
-          <p:cNvPr id="4" name="TextBox 3">
-            <a:extLst>
-              <a:ext uri="{FF2B5EF4-FFF2-40B4-BE49-F238E27FC236}">
-                <a16:creationId xmlns:a16="http://schemas.microsoft.com/office/drawing/2014/main" id="{EAC77081-FEE4-4F85-AD7A-CF26150E8B8C}"/>
-              </a:ext>
-            </a:extLst>
-          </p:cNvPr>
-          <p:cNvSpPr txBox="1"/>
-          <p:nvPr/>
-        </p:nvSpPr>
-        <p:spPr>
-          <a:xfrm>
-            <a:off x="210420" y="5699596"/>
-            <a:ext cx="8505256" cy="1021883"/>
-          </a:xfrm>
-          <a:prstGeom prst="rect">
-            <a:avLst/>
-          </a:prstGeom>
-          <a:noFill/>
-        </p:spPr>
-        <p:txBody>
-          <a:bodyPr wrap="square" rtlCol="0">
-            <a:spAutoFit/>
-          </a:bodyPr>
-          <a:lstStyle/>
-          <a:p>
-            <a:pPr algn="just">
-              <a:lnSpc>
-                <a:spcPct val="150000"/>
-              </a:lnSpc>
-            </a:pPr>
-            <a:r>
-              <a:rPr lang="en-US" sz="1400" dirty="0"/>
-              <a:t>Physically, this is due to the fact that the pendulum’s kinetic energy oscillates between up and down motion and the swing motion. Also, the spring has a range that is overtaken by the motion of the pendulum, making its contribution practically neutral to the motion of the overall system.</a:t>
-            </a:r>
-          </a:p>
-        </p:txBody>
-      </p:sp>
-      <p:sp>
-        <p:nvSpPr>
-          <p:cNvPr id="6" name="TextBox 5">
-            <a:extLst>
-              <a:ext uri="{FF2B5EF4-FFF2-40B4-BE49-F238E27FC236}">
-                <a16:creationId xmlns:a16="http://schemas.microsoft.com/office/drawing/2014/main" id="{D28F6D95-F73E-4BFC-B286-A72F44B8F0A8}"/>
-              </a:ext>
-            </a:extLst>
-          </p:cNvPr>
-          <p:cNvSpPr txBox="1"/>
-          <p:nvPr/>
-        </p:nvSpPr>
-        <p:spPr>
-          <a:xfrm>
-            <a:off x="2592199" y="5359482"/>
-            <a:ext cx="4127382" cy="276999"/>
-          </a:xfrm>
-          <a:prstGeom prst="rect">
-            <a:avLst/>
-          </a:prstGeom>
-          <a:noFill/>
-        </p:spPr>
-        <p:txBody>
-          <a:bodyPr wrap="square" rtlCol="0">
-            <a:spAutoFit/>
-          </a:bodyPr>
-          <a:lstStyle/>
-          <a:p>
-            <a:r>
-              <a:rPr lang="en-US" sz="1200" dirty="0"/>
-              <a:t>(performance metric: case b = pendulum is out of control)</a:t>
-            </a:r>
-          </a:p>
-        </p:txBody>
-      </p:sp>
-      <p:sp>
-        <p:nvSpPr>
-          <p:cNvPr id="10" name="Rectangle 9">
-            <a:extLst>
-              <a:ext uri="{FF2B5EF4-FFF2-40B4-BE49-F238E27FC236}">
-                <a16:creationId xmlns:a16="http://schemas.microsoft.com/office/drawing/2014/main" id="{D4D0F370-9E02-4C66-AD6A-76E47DB7B496}"/>
-              </a:ext>
-            </a:extLst>
-          </p:cNvPr>
-          <p:cNvSpPr/>
-          <p:nvPr/>
-        </p:nvSpPr>
-        <p:spPr>
-          <a:xfrm>
-            <a:off x="2155971" y="5120234"/>
-            <a:ext cx="1736521" cy="276999"/>
-          </a:xfrm>
-          <a:prstGeom prst="rect">
-            <a:avLst/>
-          </a:prstGeom>
-          <a:solidFill>
-            <a:schemeClr val="bg1"/>
-          </a:solidFill>
-          <a:ln>
-            <a:noFill/>
-          </a:ln>
-        </p:spPr>
-        <p:style>
-          <a:lnRef idx="2">
-            <a:schemeClr val="accent1">
-              <a:shade val="50000"/>
-            </a:schemeClr>
-          </a:lnRef>
-          <a:fillRef idx="1">
-            <a:schemeClr val="accent1"/>
-          </a:fillRef>
-          <a:effectRef idx="0">
-            <a:schemeClr val="accent1"/>
-          </a:effectRef>
-          <a:fontRef idx="minor">
-            <a:schemeClr val="lt1"/>
-          </a:fontRef>
-        </p:style>
-        <p:txBody>
-          <a:bodyPr rtlCol="0" anchor="ctr"/>
-          <a:lstStyle/>
-          <a:p>
-            <a:pPr algn="ctr"/>
-            <a:endParaRPr lang="en-US" dirty="0"/>
-          </a:p>
-        </p:txBody>
-      </p:sp>
-      <p:sp>
-        <p:nvSpPr>
-          <p:cNvPr id="12" name="TextBox 11">
-            <a:extLst>
-              <a:ext uri="{FF2B5EF4-FFF2-40B4-BE49-F238E27FC236}">
-                <a16:creationId xmlns:a16="http://schemas.microsoft.com/office/drawing/2014/main" id="{DA16E138-B5FC-4D3D-B958-AFC405840FFC}"/>
-              </a:ext>
-            </a:extLst>
-          </p:cNvPr>
-          <p:cNvSpPr txBox="1"/>
-          <p:nvPr/>
-        </p:nvSpPr>
-        <p:spPr>
-          <a:xfrm>
-            <a:off x="2223083" y="5103921"/>
-            <a:ext cx="1426128" cy="246221"/>
-          </a:xfrm>
-          <a:prstGeom prst="rect">
-            <a:avLst/>
-          </a:prstGeom>
-          <a:noFill/>
-        </p:spPr>
-        <p:txBody>
-          <a:bodyPr wrap="square" rtlCol="0">
-            <a:spAutoFit/>
-          </a:bodyPr>
-          <a:lstStyle/>
-          <a:p>
-            <a:r>
-              <a:rPr lang="en-US" sz="1000" dirty="0"/>
-              <a:t>Regular motion</a:t>
-            </a:r>
-          </a:p>
-        </p:txBody>
-      </p:sp>
-      <p:sp>
-        <p:nvSpPr>
-          <p:cNvPr id="14" name="Rectangle 13">
-            <a:extLst>
-              <a:ext uri="{FF2B5EF4-FFF2-40B4-BE49-F238E27FC236}">
-                <a16:creationId xmlns:a16="http://schemas.microsoft.com/office/drawing/2014/main" id="{BE1CB797-E728-4DDA-8457-48CF74660253}"/>
-              </a:ext>
-            </a:extLst>
-          </p:cNvPr>
-          <p:cNvSpPr/>
-          <p:nvPr/>
-        </p:nvSpPr>
-        <p:spPr>
-          <a:xfrm>
-            <a:off x="5698047" y="5099433"/>
-            <a:ext cx="1556041" cy="246221"/>
-          </a:xfrm>
-          <a:prstGeom prst="rect">
-            <a:avLst/>
-          </a:prstGeom>
-          <a:solidFill>
-            <a:schemeClr val="bg1"/>
-          </a:solidFill>
-          <a:ln>
-            <a:noFill/>
-          </a:ln>
-        </p:spPr>
-        <p:style>
-          <a:lnRef idx="2">
-            <a:schemeClr val="accent1">
-              <a:shade val="50000"/>
-            </a:schemeClr>
-          </a:lnRef>
-          <a:fillRef idx="1">
-            <a:schemeClr val="accent1"/>
-          </a:fillRef>
-          <a:effectRef idx="0">
-            <a:schemeClr val="accent1"/>
-          </a:effectRef>
-          <a:fontRef idx="minor">
-            <a:schemeClr val="lt1"/>
-          </a:fontRef>
-        </p:style>
-        <p:txBody>
-          <a:bodyPr rtlCol="0" anchor="ctr"/>
-          <a:lstStyle/>
-          <a:p>
-            <a:pPr algn="ctr"/>
-            <a:endParaRPr lang="en-US" dirty="0"/>
-          </a:p>
-        </p:txBody>
-      </p:sp>
-      <p:sp>
-        <p:nvSpPr>
-          <p:cNvPr id="13" name="TextBox 12">
-            <a:extLst>
-              <a:ext uri="{FF2B5EF4-FFF2-40B4-BE49-F238E27FC236}">
-                <a16:creationId xmlns:a16="http://schemas.microsoft.com/office/drawing/2014/main" id="{5AE7D2DA-6626-4DE4-9CF2-DE66EEA7714E}"/>
-              </a:ext>
-            </a:extLst>
-          </p:cNvPr>
-          <p:cNvSpPr txBox="1"/>
-          <p:nvPr/>
-        </p:nvSpPr>
-        <p:spPr>
-          <a:xfrm>
-            <a:off x="5778638" y="5094869"/>
-            <a:ext cx="1426128" cy="246221"/>
-          </a:xfrm>
-          <a:prstGeom prst="rect">
-            <a:avLst/>
-          </a:prstGeom>
-          <a:noFill/>
-        </p:spPr>
-        <p:txBody>
-          <a:bodyPr wrap="square" rtlCol="0">
-            <a:spAutoFit/>
-          </a:bodyPr>
-          <a:lstStyle/>
-          <a:p>
-            <a:r>
-              <a:rPr lang="en-US" sz="1000" dirty="0"/>
-              <a:t>Chaotic motion</a:t>
-            </a:r>
-          </a:p>
-        </p:txBody>
-      </p:sp>
-    </p:spTree>
-    <p:extLst>
-      <p:ext uri="{BB962C8B-B14F-4D97-AF65-F5344CB8AC3E}">
-        <p14:creationId xmlns:p14="http://schemas.microsoft.com/office/powerpoint/2010/main" val="231821672"/>
-      </p:ext>
-    </p:extLst>
-  </p:cSld>
-  <p:clrMapOvr>
-    <a:masterClrMapping/>
-  </p:clrMapOvr>
-</p:sld>
-</file>
-
-<file path=ppt/slides/slide11.xml><?xml version="1.0" encoding="utf-8"?>
-<p:sld xmlns:a="http://schemas.openxmlformats.org/drawingml/2006/main" xmlns:r="http://schemas.openxmlformats.org/officeDocument/2006/relationships" xmlns:p="http://schemas.openxmlformats.org/presentationml/2006/main">
-  <p:cSld>
-    <p:spTree>
-      <p:nvGrpSpPr>
-        <p:cNvPr id="1" name=""/>
-        <p:cNvGrpSpPr/>
-        <p:nvPr/>
-      </p:nvGrpSpPr>
-      <p:grpSpPr>
-        <a:xfrm>
-          <a:off x="0" y="0"/>
-          <a:ext cx="0" cy="0"/>
-          <a:chOff x="0" y="0"/>
-          <a:chExt cx="0" cy="0"/>
-        </a:xfrm>
-      </p:grpSpPr>
-      <p:sp>
-        <p:nvSpPr>
-          <p:cNvPr id="2" name="Title 1"/>
-          <p:cNvSpPr>
-            <a:spLocks noGrp="1"/>
-          </p:cNvSpPr>
-          <p:nvPr>
-            <p:ph type="title"/>
-          </p:nvPr>
-        </p:nvSpPr>
-        <p:spPr/>
-        <p:txBody>
-          <a:bodyPr/>
-          <a:lstStyle/>
-          <a:p>
-            <a:r>
-              <a:rPr lang="en-US" sz="1800" dirty="0"/>
-              <a:t>Project #2: Spring Pendulum</a:t>
-            </a:r>
-            <a:endParaRPr lang="en-US" sz="1200" dirty="0"/>
-          </a:p>
-        </p:txBody>
-      </p:sp>
-      <p:sp>
-        <p:nvSpPr>
-          <p:cNvPr id="7" name="Footer Placeholder 6"/>
-          <p:cNvSpPr>
-            <a:spLocks noGrp="1"/>
-          </p:cNvSpPr>
-          <p:nvPr>
-            <p:ph type="ftr" sz="quarter" idx="11"/>
-          </p:nvPr>
-        </p:nvSpPr>
-        <p:spPr/>
-        <p:txBody>
-          <a:bodyPr/>
-          <a:lstStyle/>
-          <a:p>
-            <a:pPr>
-              <a:defRPr/>
-            </a:pPr>
-            <a:r>
-              <a:rPr lang="en-US"/>
-              <a:t>NASA IV&amp;V JSTAR </a:t>
-            </a:r>
-          </a:p>
-        </p:txBody>
-      </p:sp>
-      <p:sp>
-        <p:nvSpPr>
-          <p:cNvPr id="8" name="Slide Number Placeholder 7"/>
-          <p:cNvSpPr>
-            <a:spLocks noGrp="1"/>
-          </p:cNvSpPr>
-          <p:nvPr>
-            <p:ph type="sldNum" sz="quarter" idx="12"/>
-          </p:nvPr>
-        </p:nvSpPr>
-        <p:spPr/>
-        <p:txBody>
-          <a:bodyPr/>
-          <a:lstStyle/>
-          <a:p>
-            <a:pPr>
-              <a:defRPr/>
-            </a:pPr>
-            <a:fld id="{08B9903D-9ED2-41E9-8FF0-FF34DB8B2518}" type="slidenum">
-              <a:rPr lang="en-US" smtClean="0"/>
-              <a:pPr>
-                <a:defRPr/>
-              </a:pPr>
-              <a:t>11</a:t>
-            </a:fld>
-            <a:endParaRPr lang="en-US" dirty="0"/>
-          </a:p>
-        </p:txBody>
-      </p:sp>
-      <p:sp>
-        <p:nvSpPr>
-          <p:cNvPr id="9" name="TextBox 8">
-            <a:extLst>
-              <a:ext uri="{FF2B5EF4-FFF2-40B4-BE49-F238E27FC236}">
-                <a16:creationId xmlns:a16="http://schemas.microsoft.com/office/drawing/2014/main" id="{7D9F1A11-7CB1-4D44-93A8-5F48688016FE}"/>
-              </a:ext>
-            </a:extLst>
-          </p:cNvPr>
-          <p:cNvSpPr txBox="1"/>
-          <p:nvPr/>
-        </p:nvSpPr>
-        <p:spPr>
-          <a:xfrm>
-            <a:off x="333810" y="2024371"/>
-            <a:ext cx="8381866" cy="553998"/>
-          </a:xfrm>
-          <a:prstGeom prst="rect">
-            <a:avLst/>
-          </a:prstGeom>
-          <a:noFill/>
-        </p:spPr>
-        <p:txBody>
-          <a:bodyPr wrap="square" rtlCol="0">
-            <a:spAutoFit/>
-          </a:bodyPr>
-          <a:lstStyle/>
-          <a:p>
-            <a:pPr marL="285750" indent="-285750">
-              <a:buFont typeface="Arial" panose="020B0604020202020204" pitchFamily="34" charset="0"/>
-              <a:buChar char="•"/>
-            </a:pPr>
-            <a:endParaRPr lang="en-US" sz="1200" dirty="0"/>
-          </a:p>
-          <a:p>
-            <a:endParaRPr lang="en-US" dirty="0"/>
-          </a:p>
-        </p:txBody>
-      </p:sp>
-      <mc:AlternateContent xmlns:mc="http://schemas.openxmlformats.org/markup-compatibility/2006" xmlns:a14="http://schemas.microsoft.com/office/drawing/2010/main">
-        <mc:Choice Requires="a14">
-          <p:sp>
-            <p:nvSpPr>
-              <p:cNvPr id="4" name="TextBox 3">
-                <a:extLst>
-                  <a:ext uri="{FF2B5EF4-FFF2-40B4-BE49-F238E27FC236}">
-                    <a16:creationId xmlns:a16="http://schemas.microsoft.com/office/drawing/2014/main" id="{9DD2AE25-7F66-49F5-8982-8FC73C2DF8D1}"/>
-                  </a:ext>
-                </a:extLst>
-              </p:cNvPr>
-              <p:cNvSpPr txBox="1"/>
-              <p:nvPr/>
-            </p:nvSpPr>
-            <p:spPr>
-              <a:xfrm>
-                <a:off x="142613" y="1772701"/>
-                <a:ext cx="8760755" cy="1399999"/>
-              </a:xfrm>
-              <a:prstGeom prst="rect">
-                <a:avLst/>
-              </a:prstGeom>
-              <a:noFill/>
-            </p:spPr>
-            <p:txBody>
-              <a:bodyPr wrap="square" rtlCol="0">
-                <a:spAutoFit/>
-              </a:bodyPr>
-              <a:lstStyle/>
-              <a:p>
-                <a:pPr marL="285750" indent="-285750" algn="just">
-                  <a:buFont typeface="Arial" panose="020B0604020202020204" pitchFamily="34" charset="0"/>
-                  <a:buChar char="•"/>
-                </a:pPr>
-                <a:r>
-                  <a:rPr lang="en-US" sz="1400" dirty="0"/>
-                  <a:t>In a nutshell, the behavior of the pendulum is directly dependent on the ratio of the two natural frequencies of the system: when the spring natural frequency </a:t>
-                </a:r>
-                <a14:m>
-                  <m:oMath xmlns:m="http://schemas.openxmlformats.org/officeDocument/2006/math">
-                    <m:sSub>
-                      <m:sSubPr>
-                        <m:ctrlPr>
-                          <a:rPr lang="el-GR" sz="1400" i="1">
-                            <a:latin typeface="Cambria Math" panose="02040503050406030204" pitchFamily="18" charset="0"/>
-                            <a:ea typeface="Cambria Math" panose="02040503050406030204" pitchFamily="18" charset="0"/>
-                          </a:rPr>
-                        </m:ctrlPr>
-                      </m:sSubPr>
-                      <m:e>
-                        <m:r>
-                          <m:rPr>
-                            <m:sty m:val="p"/>
-                          </m:rPr>
-                          <a:rPr lang="el-GR" sz="1400" i="1">
-                            <a:latin typeface="Cambria Math" panose="02040503050406030204" pitchFamily="18" charset="0"/>
-                            <a:ea typeface="Cambria Math" panose="02040503050406030204" pitchFamily="18" charset="0"/>
-                          </a:rPr>
-                          <m:t>ω</m:t>
-                        </m:r>
-                      </m:e>
-                      <m:sub>
-                        <m:r>
-                          <m:rPr>
-                            <m:sty m:val="p"/>
-                          </m:rPr>
-                          <a:rPr lang="el-GR" sz="1400" i="1">
-                            <a:latin typeface="Cambria Math" panose="02040503050406030204" pitchFamily="18" charset="0"/>
-                            <a:ea typeface="Cambria Math" panose="02040503050406030204" pitchFamily="18" charset="0"/>
-                          </a:rPr>
-                          <m:t>θ</m:t>
-                        </m:r>
-                      </m:sub>
-                    </m:sSub>
-                    <m:r>
-                      <a:rPr lang="en-US" sz="1400">
-                        <a:latin typeface="Cambria Math" panose="02040503050406030204" pitchFamily="18" charset="0"/>
-                      </a:rPr>
-                      <m:t>=</m:t>
-                    </m:r>
-                    <m:rad>
-                      <m:radPr>
-                        <m:degHide m:val="on"/>
-                        <m:ctrlPr>
-                          <a:rPr lang="en-US" sz="1400" i="1">
-                            <a:latin typeface="Cambria Math" panose="02040503050406030204" pitchFamily="18" charset="0"/>
-                          </a:rPr>
-                        </m:ctrlPr>
-                      </m:radPr>
-                      <m:deg/>
-                      <m:e>
-                        <m:f>
-                          <m:fPr>
-                            <m:ctrlPr>
-                              <a:rPr lang="en-US" sz="1400" i="1">
-                                <a:latin typeface="Cambria Math" panose="02040503050406030204" pitchFamily="18" charset="0"/>
-                              </a:rPr>
-                            </m:ctrlPr>
-                          </m:fPr>
-                          <m:num>
-                            <m:r>
-                              <a:rPr lang="en-US" sz="1400" i="1">
-                                <a:latin typeface="Cambria Math" panose="02040503050406030204" pitchFamily="18" charset="0"/>
-                              </a:rPr>
-                              <m:t>𝑘</m:t>
-                            </m:r>
-                          </m:num>
-                          <m:den>
-                            <m:r>
-                              <a:rPr lang="en-US" sz="1400" i="1">
-                                <a:latin typeface="Cambria Math" panose="02040503050406030204" pitchFamily="18" charset="0"/>
-                              </a:rPr>
-                              <m:t>𝑚</m:t>
-                            </m:r>
-                          </m:den>
-                        </m:f>
-                      </m:e>
-                    </m:rad>
-                    <m:r>
-                      <a:rPr lang="en-US" sz="1400" i="1">
-                        <a:latin typeface="Cambria Math" panose="02040503050406030204" pitchFamily="18" charset="0"/>
-                      </a:rPr>
-                      <m:t> </m:t>
-                    </m:r>
-                  </m:oMath>
-                </a14:m>
-                <a:r>
-                  <a:rPr lang="en-US" sz="1400" dirty="0"/>
-                  <a:t> is approximately two times the pendulum natural frequency </a:t>
-                </a:r>
-                <a14:m>
-                  <m:oMath xmlns:m="http://schemas.openxmlformats.org/officeDocument/2006/math">
-                    <m:sSub>
-                      <m:sSubPr>
-                        <m:ctrlPr>
-                          <a:rPr lang="el-GR" sz="1400" b="0" i="1" smtClean="0">
-                            <a:latin typeface="Cambria Math" panose="02040503050406030204" pitchFamily="18" charset="0"/>
-                            <a:ea typeface="Cambria Math" panose="02040503050406030204" pitchFamily="18" charset="0"/>
-                          </a:rPr>
-                        </m:ctrlPr>
-                      </m:sSubPr>
-                      <m:e>
-                        <m:r>
-                          <m:rPr>
-                            <m:sty m:val="p"/>
-                          </m:rPr>
-                          <a:rPr lang="el-GR" sz="1400" b="0" i="1" smtClean="0">
-                            <a:latin typeface="Cambria Math" panose="02040503050406030204" pitchFamily="18" charset="0"/>
-                            <a:ea typeface="Cambria Math" panose="02040503050406030204" pitchFamily="18" charset="0"/>
-                          </a:rPr>
-                          <m:t>ω</m:t>
-                        </m:r>
-                      </m:e>
-                      <m:sub>
-                        <m:r>
-                          <a:rPr lang="en-US" sz="1400" b="0" i="1" smtClean="0">
-                            <a:latin typeface="Cambria Math" panose="02040503050406030204" pitchFamily="18" charset="0"/>
-                            <a:ea typeface="Cambria Math" panose="02040503050406030204" pitchFamily="18" charset="0"/>
-                          </a:rPr>
-                          <m:t>𝑥</m:t>
-                        </m:r>
-                      </m:sub>
-                    </m:sSub>
-                    <m:r>
-                      <a:rPr lang="en-US" sz="1400" b="0" i="0" smtClean="0">
-                        <a:latin typeface="Cambria Math" panose="02040503050406030204" pitchFamily="18" charset="0"/>
-                      </a:rPr>
-                      <m:t>=</m:t>
-                    </m:r>
-                    <m:rad>
-                      <m:radPr>
-                        <m:degHide m:val="on"/>
-                        <m:ctrlPr>
-                          <a:rPr lang="en-US" sz="1400" i="1" smtClean="0">
-                            <a:latin typeface="Cambria Math" panose="02040503050406030204" pitchFamily="18" charset="0"/>
-                          </a:rPr>
-                        </m:ctrlPr>
-                      </m:radPr>
-                      <m:deg/>
-                      <m:e>
-                        <m:f>
-                          <m:fPr>
-                            <m:ctrlPr>
-                              <a:rPr lang="en-US" sz="1400" i="1" smtClean="0">
-                                <a:latin typeface="Cambria Math" panose="02040503050406030204" pitchFamily="18" charset="0"/>
-                              </a:rPr>
-                            </m:ctrlPr>
-                          </m:fPr>
-                          <m:num>
-                            <m:r>
-                              <a:rPr lang="en-US" sz="1400" b="0" i="1" smtClean="0">
-                                <a:latin typeface="Cambria Math" panose="02040503050406030204" pitchFamily="18" charset="0"/>
-                              </a:rPr>
-                              <m:t>𝑔</m:t>
-                            </m:r>
-                          </m:num>
-                          <m:den>
-                            <m:r>
-                              <a:rPr lang="en-US" sz="1400" b="0" i="1" smtClean="0">
-                                <a:latin typeface="Cambria Math" panose="02040503050406030204" pitchFamily="18" charset="0"/>
-                              </a:rPr>
-                              <m:t>𝑙</m:t>
-                            </m:r>
-                          </m:den>
-                        </m:f>
-                      </m:e>
-                    </m:rad>
-                  </m:oMath>
-                </a14:m>
-                <a:r>
-                  <a:rPr lang="en-US" sz="1400" dirty="0"/>
-                  <a:t>, a momentum exchange occurs between the two degrees of freedom of the system. </a:t>
-                </a:r>
-              </a:p>
-            </p:txBody>
-          </p:sp>
-        </mc:Choice>
-        <mc:Fallback xmlns="">
-          <p:sp>
-            <p:nvSpPr>
-              <p:cNvPr id="4" name="TextBox 3">
-                <a:extLst>
-                  <a:ext uri="{FF2B5EF4-FFF2-40B4-BE49-F238E27FC236}">
-                    <a16:creationId xmlns:a16="http://schemas.microsoft.com/office/drawing/2014/main" id="{9DD2AE25-7F66-49F5-8982-8FC73C2DF8D1}"/>
-                  </a:ext>
-                </a:extLst>
-              </p:cNvPr>
-              <p:cNvSpPr txBox="1">
-                <a:spLocks noRot="1" noChangeAspect="1" noMove="1" noResize="1" noEditPoints="1" noAdjustHandles="1" noChangeArrowheads="1" noChangeShapeType="1" noTextEdit="1"/>
-              </p:cNvSpPr>
-              <p:nvPr/>
-            </p:nvSpPr>
-            <p:spPr>
-              <a:xfrm>
-                <a:off x="142613" y="1772701"/>
-                <a:ext cx="8760755" cy="1399999"/>
-              </a:xfrm>
-              <a:prstGeom prst="rect">
-                <a:avLst/>
-              </a:prstGeom>
-              <a:blipFill>
-                <a:blip r:embed="rId2"/>
-                <a:stretch>
-                  <a:fillRect l="-70" t="-873" r="-139" b="-3930"/>
-                </a:stretch>
-              </a:blipFill>
-            </p:spPr>
-            <p:txBody>
-              <a:bodyPr/>
-              <a:lstStyle/>
-              <a:p>
-                <a:r>
-                  <a:rPr lang="en-US">
-                    <a:noFill/>
-                  </a:rPr>
-                  <a:t> </a:t>
-                </a:r>
-              </a:p>
-            </p:txBody>
-          </p:sp>
-        </mc:Fallback>
-      </mc:AlternateContent>
-      <p:sp>
-        <p:nvSpPr>
-          <p:cNvPr id="5" name="TextBox 4">
-            <a:extLst>
-              <a:ext uri="{FF2B5EF4-FFF2-40B4-BE49-F238E27FC236}">
-                <a16:creationId xmlns:a16="http://schemas.microsoft.com/office/drawing/2014/main" id="{B4362856-3AE8-4307-A738-2CFFB853F3E7}"/>
-              </a:ext>
-            </a:extLst>
-          </p:cNvPr>
-          <p:cNvSpPr txBox="1"/>
-          <p:nvPr/>
-        </p:nvSpPr>
-        <p:spPr>
-          <a:xfrm>
-            <a:off x="142612" y="3575372"/>
-            <a:ext cx="8760755" cy="1384995"/>
-          </a:xfrm>
-          <a:prstGeom prst="rect">
-            <a:avLst/>
-          </a:prstGeom>
-          <a:noFill/>
-        </p:spPr>
-        <p:txBody>
-          <a:bodyPr wrap="square" rtlCol="0">
-            <a:spAutoFit/>
-          </a:bodyPr>
-          <a:lstStyle/>
-          <a:p>
-            <a:pPr marL="285750" indent="-285750" algn="just">
-              <a:lnSpc>
-                <a:spcPct val="150000"/>
-              </a:lnSpc>
-              <a:buFont typeface="Arial" panose="020B0604020202020204" pitchFamily="34" charset="0"/>
-              <a:buChar char="•"/>
-            </a:pPr>
-            <a:r>
-              <a:rPr lang="en-US" sz="1400" dirty="0"/>
-              <a:t>Specifically, if the mass properties of the system are interacting in this particular manner, the spring pendulum behaves in a unique way (a.k.a. out of control) that cannot be predicted by analyzing any single variable individually. This suggests that KDE and k-NN analyses performed on a Monte Carlo simulation data set will be capable of finding this solution.</a:t>
-            </a:r>
-          </a:p>
-        </p:txBody>
-      </p:sp>
-    </p:spTree>
-    <p:extLst>
-      <p:ext uri="{BB962C8B-B14F-4D97-AF65-F5344CB8AC3E}">
-        <p14:creationId xmlns:p14="http://schemas.microsoft.com/office/powerpoint/2010/main" val="2166005019"/>
-      </p:ext>
-    </p:extLst>
-  </p:cSld>
-  <p:clrMapOvr>
-    <a:masterClrMapping/>
-  </p:clrMapOvr>
-</p:sld>
-</file>
-
-<file path=ppt/slides/slide12.xml><?xml version="1.0" encoding="utf-8"?>
-<p:sld xmlns:a="http://schemas.openxmlformats.org/drawingml/2006/main" xmlns:r="http://schemas.openxmlformats.org/officeDocument/2006/relationships" xmlns:p="http://schemas.openxmlformats.org/presentationml/2006/main">
-  <p:cSld>
-    <p:spTree>
-      <p:nvGrpSpPr>
-        <p:cNvPr id="1" name=""/>
-        <p:cNvGrpSpPr/>
-        <p:nvPr/>
-      </p:nvGrpSpPr>
-      <p:grpSpPr>
-        <a:xfrm>
-          <a:off x="0" y="0"/>
-          <a:ext cx="0" cy="0"/>
-          <a:chOff x="0" y="0"/>
-          <a:chExt cx="0" cy="0"/>
-        </a:xfrm>
-      </p:grpSpPr>
-      <p:sp>
-        <p:nvSpPr>
-          <p:cNvPr id="7" name="Footer Placeholder 6"/>
-          <p:cNvSpPr>
-            <a:spLocks noGrp="1"/>
-          </p:cNvSpPr>
-          <p:nvPr>
-            <p:ph type="ftr" sz="quarter" idx="11"/>
-          </p:nvPr>
-        </p:nvSpPr>
-        <p:spPr/>
-        <p:txBody>
-          <a:bodyPr/>
-          <a:lstStyle/>
-          <a:p>
-            <a:pPr>
-              <a:defRPr/>
-            </a:pPr>
-            <a:r>
-              <a:rPr lang="en-US"/>
-              <a:t>NASA IV&amp;V JSTAR </a:t>
-            </a:r>
-          </a:p>
-        </p:txBody>
-      </p:sp>
-      <p:sp>
-        <p:nvSpPr>
-          <p:cNvPr id="8" name="Slide Number Placeholder 7"/>
-          <p:cNvSpPr>
-            <a:spLocks noGrp="1"/>
-          </p:cNvSpPr>
-          <p:nvPr>
-            <p:ph type="sldNum" sz="quarter" idx="12"/>
-          </p:nvPr>
-        </p:nvSpPr>
-        <p:spPr/>
-        <p:txBody>
-          <a:bodyPr/>
-          <a:lstStyle/>
-          <a:p>
-            <a:pPr>
-              <a:defRPr/>
-            </a:pPr>
-            <a:fld id="{08B9903D-9ED2-41E9-8FF0-FF34DB8B2518}" type="slidenum">
-              <a:rPr lang="en-US" smtClean="0"/>
-              <a:pPr>
-                <a:defRPr/>
-              </a:pPr>
-              <a:t>12</a:t>
-            </a:fld>
-            <a:endParaRPr lang="en-US" dirty="0"/>
-          </a:p>
-        </p:txBody>
-      </p:sp>
-      <p:sp>
-        <p:nvSpPr>
-          <p:cNvPr id="10" name="Title 1">
-            <a:extLst>
-              <a:ext uri="{FF2B5EF4-FFF2-40B4-BE49-F238E27FC236}">
-                <a16:creationId xmlns:a16="http://schemas.microsoft.com/office/drawing/2014/main" id="{80BEC867-ACA2-49FA-82BD-374EA8A201D7}"/>
-              </a:ext>
-            </a:extLst>
-          </p:cNvPr>
-          <p:cNvSpPr>
-            <a:spLocks noGrp="1"/>
-          </p:cNvSpPr>
-          <p:nvPr>
-            <p:ph type="title"/>
-          </p:nvPr>
-        </p:nvSpPr>
-        <p:spPr>
-          <a:xfrm>
-            <a:off x="2509838" y="274638"/>
-            <a:ext cx="4792662" cy="1143000"/>
-          </a:xfrm>
-        </p:spPr>
-        <p:txBody>
-          <a:bodyPr/>
-          <a:lstStyle/>
-          <a:p>
-            <a:r>
-              <a:rPr lang="en-US" sz="1800" dirty="0"/>
-              <a:t>Project #2: Spring pendulum</a:t>
-            </a:r>
-            <a:br>
-              <a:rPr lang="en-US" sz="1800" dirty="0"/>
-            </a:br>
-            <a:r>
-              <a:rPr lang="en-US" sz="1200" dirty="0"/>
-              <a:t>(Don’t Panic Guide to the Project)</a:t>
-            </a:r>
-          </a:p>
-        </p:txBody>
-      </p:sp>
-      <p:sp>
-        <p:nvSpPr>
-          <p:cNvPr id="18" name="TextBox 17">
-            <a:extLst>
-              <a:ext uri="{FF2B5EF4-FFF2-40B4-BE49-F238E27FC236}">
-                <a16:creationId xmlns:a16="http://schemas.microsoft.com/office/drawing/2014/main" id="{F580B41C-ACEF-4544-A5AC-059334161C48}"/>
-              </a:ext>
-            </a:extLst>
-          </p:cNvPr>
-          <p:cNvSpPr txBox="1"/>
-          <p:nvPr/>
-        </p:nvSpPr>
-        <p:spPr>
-          <a:xfrm>
-            <a:off x="352927" y="1464488"/>
-            <a:ext cx="8333874" cy="5693866"/>
-          </a:xfrm>
-          <a:prstGeom prst="rect">
-            <a:avLst/>
-          </a:prstGeom>
-          <a:noFill/>
-        </p:spPr>
-        <p:txBody>
-          <a:bodyPr wrap="square" rtlCol="0">
-            <a:spAutoFit/>
-          </a:bodyPr>
-          <a:lstStyle/>
-          <a:p>
-            <a:pPr marL="342900" indent="-342900" algn="just">
-              <a:lnSpc>
-                <a:spcPct val="150000"/>
-              </a:lnSpc>
-              <a:buFont typeface="+mj-lt"/>
-              <a:buAutoNum type="arabicParenR"/>
-            </a:pPr>
-            <a:r>
-              <a:rPr lang="en-US" sz="1400" dirty="0"/>
-              <a:t>Solve (numerically!) the set of linearized equations.</a:t>
-            </a:r>
-          </a:p>
-          <a:p>
-            <a:pPr marL="342900" indent="-342900" algn="just">
-              <a:lnSpc>
-                <a:spcPct val="150000"/>
-              </a:lnSpc>
-              <a:buFont typeface="+mj-lt"/>
-              <a:buAutoNum type="arabicParenR"/>
-            </a:pPr>
-            <a:r>
-              <a:rPr lang="en-US" sz="1400" dirty="0"/>
-              <a:t>Disperse parameters using normal distributions (to start with).</a:t>
-            </a:r>
-          </a:p>
-          <a:p>
-            <a:pPr marL="342900" indent="-342900" algn="just">
-              <a:lnSpc>
-                <a:spcPct val="150000"/>
-              </a:lnSpc>
-              <a:buFont typeface="+mj-lt"/>
-              <a:buAutoNum type="arabicParenR"/>
-            </a:pPr>
-            <a:r>
-              <a:rPr lang="en-US" sz="1400" dirty="0"/>
-              <a:t>Run Monte Carlo simulations.</a:t>
-            </a:r>
-          </a:p>
-          <a:p>
-            <a:pPr marL="342900" indent="-342900" algn="just">
-              <a:lnSpc>
-                <a:spcPct val="150000"/>
-              </a:lnSpc>
-              <a:buFont typeface="+mj-lt"/>
-              <a:buAutoNum type="arabicParenR"/>
-            </a:pPr>
-            <a:r>
-              <a:rPr lang="en-US" sz="1400" dirty="0"/>
-              <a:t>Define performance metrics.</a:t>
-            </a:r>
-          </a:p>
-          <a:p>
-            <a:pPr marL="342900" indent="-342900" algn="just">
-              <a:lnSpc>
-                <a:spcPct val="150000"/>
-              </a:lnSpc>
-              <a:buFont typeface="+mj-lt"/>
-              <a:buAutoNum type="arabicParenR"/>
-            </a:pPr>
-            <a:r>
-              <a:rPr lang="en-US" sz="1400" dirty="0"/>
-              <a:t>Analyze influential variables (hint: KDE algorithm) and influential variable combinations (hint: k-NN algorithm), to determine how the mass and spring properties and initial conditions influence the solution on individual basis and in the higher-dimensional regions.</a:t>
-            </a:r>
-          </a:p>
-          <a:p>
-            <a:pPr marL="342900" indent="-342900" algn="just">
-              <a:lnSpc>
-                <a:spcPct val="150000"/>
-              </a:lnSpc>
-              <a:buFont typeface="+mj-lt"/>
-              <a:buAutoNum type="arabicParenR"/>
-            </a:pPr>
-            <a:r>
-              <a:rPr lang="en-US" sz="1400" dirty="0"/>
-              <a:t>Visualize results and write-up results.</a:t>
-            </a:r>
-          </a:p>
-          <a:p>
-            <a:pPr marL="342900" indent="-342900" algn="just">
-              <a:lnSpc>
-                <a:spcPct val="150000"/>
-              </a:lnSpc>
-              <a:buFont typeface="+mj-lt"/>
-              <a:buAutoNum type="arabicParenR"/>
-            </a:pPr>
-            <a:r>
-              <a:rPr lang="en-US" sz="1400" dirty="0"/>
-              <a:t>Try alone and then ask for help!</a:t>
-            </a:r>
-          </a:p>
-          <a:p>
-            <a:pPr algn="just"/>
-            <a:endParaRPr lang="en-US" sz="1400" dirty="0"/>
-          </a:p>
-          <a:p>
-            <a:pPr algn="just">
-              <a:lnSpc>
-                <a:spcPct val="150000"/>
-              </a:lnSpc>
-            </a:pPr>
-            <a:r>
-              <a:rPr lang="en-US" sz="1400" dirty="0"/>
-              <a:t>Tools:</a:t>
-            </a:r>
-          </a:p>
-          <a:p>
-            <a:pPr marL="742950" lvl="1" indent="-285750" algn="just">
-              <a:lnSpc>
-                <a:spcPct val="150000"/>
-              </a:lnSpc>
-              <a:buFont typeface="Wingdings" panose="05000000000000000000" pitchFamily="2" charset="2"/>
-              <a:buChar char="Ø"/>
-            </a:pPr>
-            <a:r>
-              <a:rPr lang="en-US" sz="1400" dirty="0"/>
-              <a:t>Python + </a:t>
-            </a:r>
-            <a:r>
-              <a:rPr lang="en-US" sz="1400" dirty="0" err="1"/>
-              <a:t>Numpy</a:t>
-            </a:r>
-            <a:r>
-              <a:rPr lang="en-US" sz="1400" dirty="0"/>
-              <a:t>, Pandas, and </a:t>
-            </a:r>
-            <a:r>
-              <a:rPr lang="en-US" sz="1400" dirty="0" err="1"/>
-              <a:t>Matplotlib</a:t>
-            </a:r>
-            <a:r>
-              <a:rPr lang="en-US" sz="1400" dirty="0"/>
-              <a:t> libraries</a:t>
-            </a:r>
-          </a:p>
-          <a:p>
-            <a:pPr marL="742950" lvl="1" indent="-285750" algn="just">
-              <a:lnSpc>
-                <a:spcPct val="150000"/>
-              </a:lnSpc>
-              <a:buFont typeface="Wingdings" panose="05000000000000000000" pitchFamily="2" charset="2"/>
-              <a:buChar char="Ø"/>
-            </a:pPr>
-            <a:r>
-              <a:rPr lang="en-US" sz="1400" dirty="0"/>
-              <a:t>SciPy and </a:t>
-            </a:r>
-            <a:r>
-              <a:rPr lang="en-US" sz="1400" dirty="0" err="1"/>
-              <a:t>Scikit</a:t>
-            </a:r>
-            <a:r>
-              <a:rPr lang="en-US" sz="1400" dirty="0"/>
-              <a:t>-learn: for solving equations and algorithms</a:t>
-            </a:r>
-          </a:p>
-          <a:p>
-            <a:pPr marL="742950" lvl="1" indent="-285750" algn="just">
-              <a:lnSpc>
-                <a:spcPct val="150000"/>
-              </a:lnSpc>
-              <a:buFont typeface="Wingdings" panose="05000000000000000000" pitchFamily="2" charset="2"/>
-              <a:buChar char="Ø"/>
-            </a:pPr>
-            <a:r>
-              <a:rPr lang="en-US" sz="1400" dirty="0" err="1"/>
-              <a:t>Jupyter</a:t>
-            </a:r>
-            <a:r>
-              <a:rPr lang="en-US" sz="1400" dirty="0"/>
-              <a:t> notebook</a:t>
-            </a:r>
-          </a:p>
-          <a:p>
-            <a:pPr marL="742950" lvl="1" indent="-285750" algn="just">
-              <a:lnSpc>
-                <a:spcPct val="150000"/>
-              </a:lnSpc>
-              <a:buFont typeface="Wingdings" panose="05000000000000000000" pitchFamily="2" charset="2"/>
-              <a:buChar char="Ø"/>
-            </a:pPr>
-            <a:r>
-              <a:rPr lang="en-US" sz="1400" dirty="0"/>
-              <a:t>Git</a:t>
-            </a:r>
-          </a:p>
-          <a:p>
-            <a:pPr algn="just">
-              <a:lnSpc>
-                <a:spcPct val="150000"/>
-              </a:lnSpc>
-            </a:pPr>
-            <a:endParaRPr lang="en-US" sz="1400" dirty="0"/>
-          </a:p>
-          <a:p>
-            <a:pPr algn="just">
-              <a:lnSpc>
-                <a:spcPct val="150000"/>
-              </a:lnSpc>
-            </a:pPr>
-            <a:endParaRPr lang="en-US" sz="1400" dirty="0"/>
-          </a:p>
-          <a:p>
-            <a:pPr marL="285750" indent="-285750" algn="just">
-              <a:buFont typeface="Arial" panose="020B0604020202020204" pitchFamily="34" charset="0"/>
-              <a:buChar char="•"/>
-            </a:pPr>
-            <a:endParaRPr lang="en-US" sz="1400" dirty="0"/>
-          </a:p>
-        </p:txBody>
-      </p:sp>
-      <p:pic>
-        <p:nvPicPr>
-          <p:cNvPr id="3" name="Picture 2">
-            <a:extLst>
-              <a:ext uri="{FF2B5EF4-FFF2-40B4-BE49-F238E27FC236}">
-                <a16:creationId xmlns:a16="http://schemas.microsoft.com/office/drawing/2014/main" id="{48C5E4DC-C07A-4893-B675-2178E9DFAC1F}"/>
-              </a:ext>
-            </a:extLst>
-          </p:cNvPr>
-          <p:cNvPicPr>
-            <a:picLocks noChangeAspect="1"/>
-          </p:cNvPicPr>
-          <p:nvPr/>
-        </p:nvPicPr>
-        <p:blipFill rotWithShape="1">
-          <a:blip r:embed="rId2">
-            <a:extLst>
-              <a:ext uri="{28A0092B-C50C-407E-A947-70E740481C1C}">
-                <a14:useLocalDpi xmlns:a14="http://schemas.microsoft.com/office/drawing/2010/main" val="0"/>
-              </a:ext>
-            </a:extLst>
-          </a:blip>
-          <a:srcRect l="9282" t="1584" r="15995" b="5231"/>
-          <a:stretch/>
-        </p:blipFill>
-        <p:spPr>
-          <a:xfrm>
-            <a:off x="6093340" y="3789727"/>
-            <a:ext cx="2697733" cy="2654969"/>
-          </a:xfrm>
-          <a:prstGeom prst="rect">
-            <a:avLst/>
-          </a:prstGeom>
-        </p:spPr>
-      </p:pic>
-    </p:spTree>
-    <p:extLst>
-      <p:ext uri="{BB962C8B-B14F-4D97-AF65-F5344CB8AC3E}">
-        <p14:creationId xmlns:p14="http://schemas.microsoft.com/office/powerpoint/2010/main" val="1868129115"/>
-      </p:ext>
-    </p:extLst>
-  </p:cSld>
-  <p:clrMapOvr>
-    <a:masterClrMapping/>
-  </p:clrMapOvr>
-</p:sld>
-</file>
-
-<file path=ppt/slides/slide13.xml><?xml version="1.0" encoding="utf-8"?>
-<p:sld xmlns:a="http://schemas.openxmlformats.org/drawingml/2006/main" xmlns:r="http://schemas.openxmlformats.org/officeDocument/2006/relationships" xmlns:p="http://schemas.openxmlformats.org/presentationml/2006/main">
-  <p:cSld>
-    <p:spTree>
-      <p:nvGrpSpPr>
-        <p:cNvPr id="1" name=""/>
-        <p:cNvGrpSpPr/>
-        <p:nvPr/>
-      </p:nvGrpSpPr>
-      <p:grpSpPr>
-        <a:xfrm>
-          <a:off x="0" y="0"/>
-          <a:ext cx="0" cy="0"/>
-          <a:chOff x="0" y="0"/>
-          <a:chExt cx="0" cy="0"/>
-        </a:xfrm>
-      </p:grpSpPr>
-      <p:sp>
-        <p:nvSpPr>
-          <p:cNvPr id="7" name="Footer Placeholder 6"/>
-          <p:cNvSpPr>
-            <a:spLocks noGrp="1"/>
-          </p:cNvSpPr>
-          <p:nvPr>
-            <p:ph type="ftr" sz="quarter" idx="11"/>
-          </p:nvPr>
-        </p:nvSpPr>
-        <p:spPr/>
-        <p:txBody>
-          <a:bodyPr/>
-          <a:lstStyle/>
-          <a:p>
-            <a:pPr>
-              <a:defRPr/>
-            </a:pPr>
-            <a:r>
-              <a:rPr lang="en-US"/>
-              <a:t>NASA IV&amp;V JSTAR </a:t>
-            </a:r>
-          </a:p>
-        </p:txBody>
-      </p:sp>
-      <p:sp>
-        <p:nvSpPr>
-          <p:cNvPr id="8" name="Slide Number Placeholder 7"/>
-          <p:cNvSpPr>
-            <a:spLocks noGrp="1"/>
-          </p:cNvSpPr>
-          <p:nvPr>
-            <p:ph type="sldNum" sz="quarter" idx="12"/>
-          </p:nvPr>
-        </p:nvSpPr>
-        <p:spPr/>
-        <p:txBody>
-          <a:bodyPr/>
-          <a:lstStyle/>
-          <a:p>
-            <a:pPr>
-              <a:defRPr/>
-            </a:pPr>
-            <a:fld id="{08B9903D-9ED2-41E9-8FF0-FF34DB8B2518}" type="slidenum">
-              <a:rPr lang="en-US" smtClean="0"/>
-              <a:pPr>
-                <a:defRPr/>
-              </a:pPr>
-              <a:t>13</a:t>
-            </a:fld>
-            <a:endParaRPr lang="en-US" dirty="0"/>
-          </a:p>
-        </p:txBody>
-      </p:sp>
-      <p:sp>
-        <p:nvSpPr>
-          <p:cNvPr id="9" name="TextBox 8">
-            <a:extLst>
-              <a:ext uri="{FF2B5EF4-FFF2-40B4-BE49-F238E27FC236}">
-                <a16:creationId xmlns:a16="http://schemas.microsoft.com/office/drawing/2014/main" id="{7D9F1A11-7CB1-4D44-93A8-5F48688016FE}"/>
-              </a:ext>
-            </a:extLst>
-          </p:cNvPr>
-          <p:cNvSpPr txBox="1"/>
-          <p:nvPr/>
-        </p:nvSpPr>
-        <p:spPr>
-          <a:xfrm>
-            <a:off x="333810" y="1403233"/>
-            <a:ext cx="8381866" cy="553998"/>
-          </a:xfrm>
-          <a:prstGeom prst="rect">
-            <a:avLst/>
-          </a:prstGeom>
-          <a:noFill/>
-        </p:spPr>
-        <p:txBody>
-          <a:bodyPr wrap="square" rtlCol="0">
-            <a:spAutoFit/>
-          </a:bodyPr>
-          <a:lstStyle/>
-          <a:p>
-            <a:pPr marL="285750" indent="-285750">
-              <a:buFont typeface="Arial" panose="020B0604020202020204" pitchFamily="34" charset="0"/>
-              <a:buChar char="•"/>
-            </a:pPr>
-            <a:endParaRPr lang="en-US" sz="1200" dirty="0"/>
-          </a:p>
-          <a:p>
-            <a:endParaRPr lang="en-US" dirty="0"/>
-          </a:p>
-        </p:txBody>
-      </p:sp>
-      <p:sp>
-        <p:nvSpPr>
-          <p:cNvPr id="12" name="Title 11">
-            <a:extLst>
-              <a:ext uri="{FF2B5EF4-FFF2-40B4-BE49-F238E27FC236}">
-                <a16:creationId xmlns:a16="http://schemas.microsoft.com/office/drawing/2014/main" id="{F3A026E3-4B91-48D5-B0EC-6AA346C318D5}"/>
-              </a:ext>
-            </a:extLst>
-          </p:cNvPr>
-          <p:cNvSpPr>
-            <a:spLocks noGrp="1"/>
-          </p:cNvSpPr>
-          <p:nvPr>
-            <p:ph type="title"/>
-          </p:nvPr>
-        </p:nvSpPr>
-        <p:spPr>
-          <a:xfrm>
-            <a:off x="2175669" y="2959763"/>
-            <a:ext cx="4792662" cy="1143000"/>
-          </a:xfrm>
-        </p:spPr>
-        <p:txBody>
-          <a:bodyPr/>
-          <a:lstStyle/>
-          <a:p>
-            <a:r>
-              <a:rPr lang="en-US" dirty="0">
-                <a:latin typeface="Arial" panose="020B0604020202020204" pitchFamily="34" charset="0"/>
-                <a:cs typeface="Arial" panose="020B0604020202020204" pitchFamily="34" charset="0"/>
-              </a:rPr>
-              <a:t>Let’s get to work!</a:t>
-            </a:r>
-            <a:br>
-              <a:rPr lang="en-US" u="sng" dirty="0">
-                <a:latin typeface="Arial" panose="020B0604020202020204" pitchFamily="34" charset="0"/>
-                <a:cs typeface="Arial" panose="020B0604020202020204" pitchFamily="34" charset="0"/>
-              </a:rPr>
-            </a:br>
-            <a:br>
-              <a:rPr lang="en-US" dirty="0">
-                <a:latin typeface="Arial" panose="020B0604020202020204" pitchFamily="34" charset="0"/>
-                <a:cs typeface="Arial" panose="020B0604020202020204" pitchFamily="34" charset="0"/>
-              </a:rPr>
-            </a:br>
-            <a:r>
-              <a:rPr lang="en-US" sz="2800" dirty="0">
-                <a:latin typeface="Arial" panose="020B0604020202020204" pitchFamily="34" charset="0"/>
-                <a:cs typeface="Arial" panose="020B0604020202020204" pitchFamily="34" charset="0"/>
-              </a:rPr>
-              <a:t>Questions?</a:t>
-            </a:r>
-          </a:p>
-        </p:txBody>
-      </p:sp>
-    </p:spTree>
-    <p:extLst>
-      <p:ext uri="{BB962C8B-B14F-4D97-AF65-F5344CB8AC3E}">
-        <p14:creationId xmlns:p14="http://schemas.microsoft.com/office/powerpoint/2010/main" val="107579659"/>
-      </p:ext>
-    </p:extLst>
-  </p:cSld>
-  <p:clrMapOvr>
-    <a:masterClrMapping/>
-  </p:clrMapOvr>
-</p:sld>
-</file>
-
-<file path=ppt/slides/slide2.xml><?xml version="1.0" encoding="utf-8"?>
-<p:sld xmlns:a="http://schemas.openxmlformats.org/drawingml/2006/main" xmlns:r="http://schemas.openxmlformats.org/officeDocument/2006/relationships" xmlns:p="http://schemas.openxmlformats.org/presentationml/2006/main">
-  <p:cSld>
-    <p:spTree>
-      <p:nvGrpSpPr>
-        <p:cNvPr id="1" name=""/>
-        <p:cNvGrpSpPr/>
-        <p:nvPr/>
-      </p:nvGrpSpPr>
-      <p:grpSpPr>
-        <a:xfrm>
-          <a:off x="0" y="0"/>
-          <a:ext cx="0" cy="0"/>
-          <a:chOff x="0" y="0"/>
-          <a:chExt cx="0" cy="0"/>
-        </a:xfrm>
-      </p:grpSpPr>
-      <p:sp>
-        <p:nvSpPr>
-          <p:cNvPr id="2" name="Title 1"/>
-          <p:cNvSpPr>
-            <a:spLocks noGrp="1"/>
-          </p:cNvSpPr>
-          <p:nvPr>
-            <p:ph type="title"/>
-          </p:nvPr>
-        </p:nvSpPr>
-        <p:spPr/>
-        <p:txBody>
-          <a:bodyPr/>
-          <a:lstStyle/>
-          <a:p>
-            <a:r>
-              <a:rPr lang="en-US" sz="3600" dirty="0"/>
-              <a:t>Welcome to Phase II</a:t>
-            </a:r>
-          </a:p>
-        </p:txBody>
-      </p:sp>
-      <p:sp>
-        <p:nvSpPr>
-          <p:cNvPr id="7" name="Footer Placeholder 6"/>
-          <p:cNvSpPr>
-            <a:spLocks noGrp="1"/>
-          </p:cNvSpPr>
-          <p:nvPr>
-            <p:ph type="ftr" sz="quarter" idx="11"/>
-          </p:nvPr>
-        </p:nvSpPr>
-        <p:spPr/>
-        <p:txBody>
-          <a:bodyPr/>
-          <a:lstStyle/>
-          <a:p>
-            <a:pPr>
-              <a:defRPr/>
-            </a:pPr>
-            <a:r>
-              <a:rPr lang="en-US"/>
-              <a:t>NASA IV&amp;V JSTAR </a:t>
-            </a:r>
-          </a:p>
-        </p:txBody>
-      </p:sp>
-      <p:sp>
-        <p:nvSpPr>
-          <p:cNvPr id="8" name="Slide Number Placeholder 7"/>
-          <p:cNvSpPr>
-            <a:spLocks noGrp="1"/>
-          </p:cNvSpPr>
-          <p:nvPr>
-            <p:ph type="sldNum" sz="quarter" idx="12"/>
-          </p:nvPr>
-        </p:nvSpPr>
-        <p:spPr/>
-        <p:txBody>
-          <a:bodyPr/>
-          <a:lstStyle/>
-          <a:p>
-            <a:pPr>
-              <a:defRPr/>
-            </a:pPr>
-            <a:fld id="{08B9903D-9ED2-41E9-8FF0-FF34DB8B2518}" type="slidenum">
-              <a:rPr lang="en-US" smtClean="0"/>
-              <a:pPr>
-                <a:defRPr/>
-              </a:pPr>
-              <a:t>2</a:t>
-            </a:fld>
-            <a:endParaRPr lang="en-US" dirty="0"/>
-          </a:p>
-        </p:txBody>
-      </p:sp>
-      <p:sp>
-        <p:nvSpPr>
-          <p:cNvPr id="9" name="TextBox 8">
-            <a:extLst>
-              <a:ext uri="{FF2B5EF4-FFF2-40B4-BE49-F238E27FC236}">
-                <a16:creationId xmlns:a16="http://schemas.microsoft.com/office/drawing/2014/main" id="{7D9F1A11-7CB1-4D44-93A8-5F48688016FE}"/>
-              </a:ext>
-            </a:extLst>
-          </p:cNvPr>
-          <p:cNvSpPr txBox="1"/>
-          <p:nvPr/>
-        </p:nvSpPr>
-        <p:spPr>
-          <a:xfrm>
-            <a:off x="495700" y="1722436"/>
-            <a:ext cx="8511941" cy="3816429"/>
-          </a:xfrm>
-          <a:prstGeom prst="rect">
-            <a:avLst/>
-          </a:prstGeom>
-          <a:noFill/>
-        </p:spPr>
-        <p:txBody>
-          <a:bodyPr wrap="square" rtlCol="0">
-            <a:spAutoFit/>
-          </a:bodyPr>
-          <a:lstStyle/>
-          <a:p>
-            <a:pPr marL="285750" indent="-285750" algn="just">
-              <a:lnSpc>
-                <a:spcPct val="150000"/>
-              </a:lnSpc>
-              <a:buFont typeface="Wingdings" panose="05000000000000000000" pitchFamily="2" charset="2"/>
-              <a:buChar char="ü"/>
-            </a:pPr>
-            <a:r>
-              <a:rPr lang="en-US" sz="1400" dirty="0"/>
-              <a:t>Congratulations on successfully finishing your class and for reaching this point.</a:t>
-            </a:r>
-          </a:p>
-          <a:p>
-            <a:pPr marL="285750" indent="-285750" algn="just">
-              <a:lnSpc>
-                <a:spcPct val="150000"/>
-              </a:lnSpc>
-              <a:buFont typeface="Wingdings" panose="05000000000000000000" pitchFamily="2" charset="2"/>
-              <a:buChar char="ü"/>
-            </a:pPr>
-            <a:r>
-              <a:rPr lang="en-US" sz="1400" dirty="0"/>
-              <a:t>Next step: let’s get our hands dirty coding!</a:t>
-            </a:r>
-          </a:p>
-          <a:p>
-            <a:pPr algn="just"/>
-            <a:endParaRPr lang="en-US" sz="1400" dirty="0"/>
-          </a:p>
-          <a:p>
-            <a:pPr algn="just"/>
-            <a:endParaRPr lang="en-US" sz="1600" dirty="0"/>
-          </a:p>
-          <a:p>
-            <a:pPr algn="just"/>
-            <a:r>
-              <a:rPr lang="en-US" sz="1600" dirty="0"/>
-              <a:t>The Plan:</a:t>
-            </a:r>
-          </a:p>
-          <a:p>
-            <a:pPr marL="342900" indent="-342900" algn="just">
-              <a:lnSpc>
-                <a:spcPct val="150000"/>
-              </a:lnSpc>
-              <a:buFont typeface="+mj-lt"/>
-              <a:buAutoNum type="arabicParenR"/>
-            </a:pPr>
-            <a:r>
-              <a:rPr lang="en-US" sz="1400" dirty="0"/>
-              <a:t>2 software projects and 2 groups.</a:t>
-            </a:r>
-          </a:p>
-          <a:p>
-            <a:pPr marL="342900" indent="-342900" algn="just">
-              <a:lnSpc>
-                <a:spcPct val="150000"/>
-              </a:lnSpc>
-              <a:buFont typeface="+mj-lt"/>
-              <a:buAutoNum type="arabicParenR"/>
-            </a:pPr>
-            <a:r>
-              <a:rPr lang="en-US" sz="1400" dirty="0"/>
-              <a:t>Work at least 4 hours per week.</a:t>
-            </a:r>
-          </a:p>
-          <a:p>
-            <a:pPr marL="342900" indent="-342900" algn="just">
-              <a:lnSpc>
-                <a:spcPct val="150000"/>
-              </a:lnSpc>
-              <a:buFont typeface="+mj-lt"/>
-              <a:buAutoNum type="arabicParenR"/>
-            </a:pPr>
-            <a:r>
-              <a:rPr lang="en-US" sz="1400" dirty="0"/>
-              <a:t>Meet at NASA IV&amp;V every other Thursday from 9am to 10am – starting from January 25</a:t>
-            </a:r>
-            <a:r>
-              <a:rPr lang="en-US" sz="1400" baseline="30000" dirty="0"/>
-              <a:t>th</a:t>
-            </a:r>
-            <a:r>
-              <a:rPr lang="en-US" sz="1400" dirty="0"/>
-              <a:t>.</a:t>
-            </a:r>
-          </a:p>
-          <a:p>
-            <a:pPr marL="342900" indent="-342900" algn="just">
-              <a:lnSpc>
-                <a:spcPct val="150000"/>
-              </a:lnSpc>
-              <a:buFont typeface="+mj-lt"/>
-              <a:buAutoNum type="arabicParenR"/>
-            </a:pPr>
-            <a:r>
-              <a:rPr lang="en-US" sz="1400" dirty="0"/>
-              <a:t>Meet/ work with your professors.</a:t>
-            </a:r>
-          </a:p>
-          <a:p>
-            <a:pPr marL="342900" indent="-342900" algn="just">
-              <a:lnSpc>
-                <a:spcPct val="150000"/>
-              </a:lnSpc>
-              <a:buFont typeface="+mj-lt"/>
-              <a:buAutoNum type="arabicParenR"/>
-            </a:pPr>
-            <a:r>
-              <a:rPr lang="en-US" sz="1400" dirty="0"/>
-              <a:t>Upload your projects to git accounts. Inclusive of comments, readme files, etc.</a:t>
-            </a:r>
-          </a:p>
-          <a:p>
-            <a:pPr marL="342900" indent="-342900" algn="just">
-              <a:lnSpc>
-                <a:spcPct val="150000"/>
-              </a:lnSpc>
-              <a:buFont typeface="+mj-lt"/>
-              <a:buAutoNum type="arabicParenR"/>
-            </a:pPr>
-            <a:r>
-              <a:rPr lang="en-US" sz="1400" b="1" i="1" dirty="0"/>
-              <a:t>Final project presentations at FSU and NASA in May 2018. We will set specific dates today.</a:t>
-            </a:r>
-            <a:endParaRPr lang="en-US" sz="1400" dirty="0"/>
-          </a:p>
-          <a:p>
-            <a:pPr algn="ctr"/>
-            <a:endParaRPr lang="en-US" sz="1400" dirty="0"/>
-          </a:p>
-          <a:p>
-            <a:pPr algn="ctr"/>
-            <a:endParaRPr lang="en-US" sz="1400" dirty="0"/>
-          </a:p>
-        </p:txBody>
-      </p:sp>
-    </p:spTree>
-    <p:extLst>
-      <p:ext uri="{BB962C8B-B14F-4D97-AF65-F5344CB8AC3E}">
-        <p14:creationId xmlns:p14="http://schemas.microsoft.com/office/powerpoint/2010/main" val="1039000269"/>
-      </p:ext>
-    </p:extLst>
-  </p:cSld>
-  <p:clrMapOvr>
-    <a:masterClrMapping/>
-  </p:clrMapOvr>
-</p:sld>
-</file>
-
-<file path=ppt/slides/slide3.xml><?xml version="1.0" encoding="utf-8"?>
-<p:sld xmlns:a="http://schemas.openxmlformats.org/drawingml/2006/main" xmlns:r="http://schemas.openxmlformats.org/officeDocument/2006/relationships" xmlns:p="http://schemas.openxmlformats.org/presentationml/2006/main">
-  <p:cSld>
-    <p:spTree>
-      <p:nvGrpSpPr>
-        <p:cNvPr id="1" name=""/>
-        <p:cNvGrpSpPr/>
-        <p:nvPr/>
-      </p:nvGrpSpPr>
-      <p:grpSpPr>
-        <a:xfrm>
-          <a:off x="0" y="0"/>
-          <a:ext cx="0" cy="0"/>
-          <a:chOff x="0" y="0"/>
-          <a:chExt cx="0" cy="0"/>
-        </a:xfrm>
-      </p:grpSpPr>
-      <p:sp>
-        <p:nvSpPr>
-          <p:cNvPr id="2" name="Title 1"/>
-          <p:cNvSpPr>
-            <a:spLocks noGrp="1"/>
-          </p:cNvSpPr>
-          <p:nvPr>
-            <p:ph type="title"/>
-          </p:nvPr>
-        </p:nvSpPr>
-        <p:spPr/>
-        <p:txBody>
-          <a:bodyPr/>
-          <a:lstStyle/>
-          <a:p>
-            <a:r>
-              <a:rPr lang="en-US" sz="1800" dirty="0"/>
-              <a:t>Project #1: Satellite Directional Stability</a:t>
-            </a:r>
-            <a:br>
-              <a:rPr lang="en-US" sz="1800" dirty="0"/>
-            </a:br>
-            <a:r>
-              <a:rPr lang="en-US" sz="1200" dirty="0"/>
-              <a:t>(Introduction to the problem)</a:t>
-            </a:r>
-          </a:p>
-        </p:txBody>
-      </p:sp>
-      <p:sp>
-        <p:nvSpPr>
-          <p:cNvPr id="7" name="Footer Placeholder 6"/>
-          <p:cNvSpPr>
-            <a:spLocks noGrp="1"/>
-          </p:cNvSpPr>
-          <p:nvPr>
-            <p:ph type="ftr" sz="quarter" idx="11"/>
-          </p:nvPr>
-        </p:nvSpPr>
-        <p:spPr/>
-        <p:txBody>
-          <a:bodyPr/>
-          <a:lstStyle/>
-          <a:p>
-            <a:pPr>
-              <a:defRPr/>
-            </a:pPr>
-            <a:r>
-              <a:rPr lang="en-US"/>
-              <a:t>NASA IV&amp;V JSTAR </a:t>
-            </a:r>
-          </a:p>
-        </p:txBody>
-      </p:sp>
-      <p:sp>
-        <p:nvSpPr>
-          <p:cNvPr id="8" name="Slide Number Placeholder 7"/>
-          <p:cNvSpPr>
-            <a:spLocks noGrp="1"/>
-          </p:cNvSpPr>
-          <p:nvPr>
-            <p:ph type="sldNum" sz="quarter" idx="12"/>
-          </p:nvPr>
-        </p:nvSpPr>
-        <p:spPr/>
-        <p:txBody>
-          <a:bodyPr/>
-          <a:lstStyle/>
-          <a:p>
-            <a:pPr>
-              <a:defRPr/>
-            </a:pPr>
-            <a:fld id="{08B9903D-9ED2-41E9-8FF0-FF34DB8B2518}" type="slidenum">
-              <a:rPr lang="en-US" smtClean="0"/>
-              <a:pPr>
-                <a:defRPr/>
-              </a:pPr>
-              <a:t>3</a:t>
+              <a:t>1</a:t>
             </a:fld>
             <a:endParaRPr lang="en-US" dirty="0"/>
           </a:p>
@@ -6683,7 +4787,7 @@
 </p:sld>
 </file>
 
-<file path=ppt/slides/slide4.xml><?xml version="1.0" encoding="utf-8"?>
+<file path=ppt/slides/slide2.xml><?xml version="1.0" encoding="utf-8"?>
 <p:sld xmlns:a="http://schemas.openxmlformats.org/drawingml/2006/main" xmlns:r="http://schemas.openxmlformats.org/officeDocument/2006/relationships" xmlns:p="http://schemas.openxmlformats.org/presentationml/2006/main">
   <p:cSld>
     <p:spTree>
@@ -6748,7 +4852,7 @@
               <a:pPr>
                 <a:defRPr/>
               </a:pPr>
-              <a:t>4</a:t>
+              <a:t>2</a:t>
             </a:fld>
             <a:endParaRPr lang="en-US" dirty="0"/>
           </a:p>
@@ -6960,7 +5064,7 @@
 </p:sld>
 </file>
 
-<file path=ppt/slides/slide5.xml><?xml version="1.0" encoding="utf-8"?>
+<file path=ppt/slides/slide3.xml><?xml version="1.0" encoding="utf-8"?>
 <p:sld xmlns:a="http://schemas.openxmlformats.org/drawingml/2006/main" xmlns:r="http://schemas.openxmlformats.org/officeDocument/2006/relationships" xmlns:p="http://schemas.openxmlformats.org/presentationml/2006/main">
   <p:cSld>
     <p:spTree>
@@ -7061,7 +5165,7 @@
               <a:pPr>
                 <a:defRPr/>
               </a:pPr>
-              <a:t>5</a:t>
+              <a:t>3</a:t>
             </a:fld>
             <a:endParaRPr lang="en-US" dirty="0"/>
           </a:p>
@@ -7458,7 +5562,7 @@
 </p:sld>
 </file>
 
-<file path=ppt/slides/slide6.xml><?xml version="1.0" encoding="utf-8"?>
+<file path=ppt/slides/slide4.xml><?xml version="1.0" encoding="utf-8"?>
 <p:sld xmlns:a="http://schemas.openxmlformats.org/drawingml/2006/main" xmlns:r="http://schemas.openxmlformats.org/officeDocument/2006/relationships" xmlns:p="http://schemas.openxmlformats.org/presentationml/2006/main">
   <p:cSld>
     <p:spTree>
@@ -7528,7 +5632,7 @@
               <a:pPr>
                 <a:defRPr/>
               </a:pPr>
-              <a:t>6</a:t>
+              <a:t>4</a:t>
             </a:fld>
             <a:endParaRPr lang="en-US" dirty="0"/>
           </a:p>
@@ -8020,7 +6124,7 @@
 </p:sld>
 </file>
 
-<file path=ppt/slides/slide7.xml><?xml version="1.0" encoding="utf-8"?>
+<file path=ppt/slides/slide5.xml><?xml version="1.0" encoding="utf-8"?>
 <p:sld xmlns:a="http://schemas.openxmlformats.org/drawingml/2006/main" xmlns:r="http://schemas.openxmlformats.org/officeDocument/2006/relationships" xmlns:p="http://schemas.openxmlformats.org/presentationml/2006/main">
   <p:cSld>
     <p:spTree>
@@ -8120,7 +6224,7 @@
               <a:pPr>
                 <a:defRPr/>
               </a:pPr>
-              <a:t>7</a:t>
+              <a:t>5</a:t>
             </a:fld>
             <a:endParaRPr lang="en-US" dirty="0"/>
           </a:p>
@@ -8435,678 +6539,6 @@
   <p:clrMapOvr>
     <a:masterClrMapping/>
   </p:clrMapOvr>
-</p:sld>
-</file>
-
-<file path=ppt/slides/slide8.xml><?xml version="1.0" encoding="utf-8"?>
-<p:sld xmlns:a="http://schemas.openxmlformats.org/drawingml/2006/main" xmlns:r="http://schemas.openxmlformats.org/officeDocument/2006/relationships" xmlns:p="http://schemas.openxmlformats.org/presentationml/2006/main">
-  <p:cSld>
-    <p:spTree>
-      <p:nvGrpSpPr>
-        <p:cNvPr id="1" name=""/>
-        <p:cNvGrpSpPr/>
-        <p:nvPr/>
-      </p:nvGrpSpPr>
-      <p:grpSpPr>
-        <a:xfrm>
-          <a:off x="0" y="0"/>
-          <a:ext cx="0" cy="0"/>
-          <a:chOff x="0" y="0"/>
-          <a:chExt cx="0" cy="0"/>
-        </a:xfrm>
-      </p:grpSpPr>
-      <p:sp>
-        <p:nvSpPr>
-          <p:cNvPr id="2" name="Title 1"/>
-          <p:cNvSpPr>
-            <a:spLocks noGrp="1"/>
-          </p:cNvSpPr>
-          <p:nvPr>
-            <p:ph type="title"/>
-          </p:nvPr>
-        </p:nvSpPr>
-        <p:spPr/>
-        <p:txBody>
-          <a:bodyPr/>
-          <a:lstStyle/>
-          <a:p>
-            <a:r>
-              <a:rPr lang="en-US" sz="1800" dirty="0"/>
-              <a:t>Project #2: Spring Pendulum</a:t>
-            </a:r>
-            <a:br>
-              <a:rPr lang="en-US" sz="1800" dirty="0"/>
-            </a:br>
-            <a:r>
-              <a:rPr lang="en-US" sz="1200" dirty="0"/>
-              <a:t>(The problem)</a:t>
-            </a:r>
-          </a:p>
-        </p:txBody>
-      </p:sp>
-      <p:sp>
-        <p:nvSpPr>
-          <p:cNvPr id="7" name="Footer Placeholder 6"/>
-          <p:cNvSpPr>
-            <a:spLocks noGrp="1"/>
-          </p:cNvSpPr>
-          <p:nvPr>
-            <p:ph type="ftr" sz="quarter" idx="11"/>
-          </p:nvPr>
-        </p:nvSpPr>
-        <p:spPr/>
-        <p:txBody>
-          <a:bodyPr/>
-          <a:lstStyle/>
-          <a:p>
-            <a:pPr>
-              <a:defRPr/>
-            </a:pPr>
-            <a:r>
-              <a:rPr lang="en-US"/>
-              <a:t>NASA IV&amp;V JSTAR </a:t>
-            </a:r>
-          </a:p>
-        </p:txBody>
-      </p:sp>
-      <p:sp>
-        <p:nvSpPr>
-          <p:cNvPr id="8" name="Slide Number Placeholder 7"/>
-          <p:cNvSpPr>
-            <a:spLocks noGrp="1"/>
-          </p:cNvSpPr>
-          <p:nvPr>
-            <p:ph type="sldNum" sz="quarter" idx="12"/>
-          </p:nvPr>
-        </p:nvSpPr>
-        <p:spPr/>
-        <p:txBody>
-          <a:bodyPr/>
-          <a:lstStyle/>
-          <a:p>
-            <a:pPr>
-              <a:defRPr/>
-            </a:pPr>
-            <a:fld id="{08B9903D-9ED2-41E9-8FF0-FF34DB8B2518}" type="slidenum">
-              <a:rPr lang="en-US" smtClean="0"/>
-              <a:pPr>
-                <a:defRPr/>
-              </a:pPr>
-              <a:t>8</a:t>
-            </a:fld>
-            <a:endParaRPr lang="en-US" dirty="0"/>
-          </a:p>
-        </p:txBody>
-      </p:sp>
-      <p:sp>
-        <p:nvSpPr>
-          <p:cNvPr id="9" name="TextBox 8">
-            <a:extLst>
-              <a:ext uri="{FF2B5EF4-FFF2-40B4-BE49-F238E27FC236}">
-                <a16:creationId xmlns:a16="http://schemas.microsoft.com/office/drawing/2014/main" id="{7D9F1A11-7CB1-4D44-93A8-5F48688016FE}"/>
-              </a:ext>
-            </a:extLst>
-          </p:cNvPr>
-          <p:cNvSpPr txBox="1"/>
-          <p:nvPr/>
-        </p:nvSpPr>
-        <p:spPr>
-          <a:xfrm>
-            <a:off x="333810" y="1403233"/>
-            <a:ext cx="8381866" cy="553998"/>
-          </a:xfrm>
-          <a:prstGeom prst="rect">
-            <a:avLst/>
-          </a:prstGeom>
-          <a:noFill/>
-        </p:spPr>
-        <p:txBody>
-          <a:bodyPr wrap="square" rtlCol="0">
-            <a:spAutoFit/>
-          </a:bodyPr>
-          <a:lstStyle/>
-          <a:p>
-            <a:pPr marL="285750" indent="-285750">
-              <a:buFont typeface="Arial" panose="020B0604020202020204" pitchFamily="34" charset="0"/>
-              <a:buChar char="•"/>
-            </a:pPr>
-            <a:endParaRPr lang="en-US" sz="1200" dirty="0"/>
-          </a:p>
-          <a:p>
-            <a:endParaRPr lang="en-US" dirty="0"/>
-          </a:p>
-        </p:txBody>
-      </p:sp>
-      <p:sp>
-        <p:nvSpPr>
-          <p:cNvPr id="3" name="TextBox 2">
-            <a:extLst>
-              <a:ext uri="{FF2B5EF4-FFF2-40B4-BE49-F238E27FC236}">
-                <a16:creationId xmlns:a16="http://schemas.microsoft.com/office/drawing/2014/main" id="{EB4C1D93-8BAE-467D-8F38-501AEC350F51}"/>
-              </a:ext>
-            </a:extLst>
-          </p:cNvPr>
-          <p:cNvSpPr txBox="1"/>
-          <p:nvPr/>
-        </p:nvSpPr>
-        <p:spPr>
-          <a:xfrm>
-            <a:off x="304934" y="1318103"/>
-            <a:ext cx="8381866" cy="1991379"/>
-          </a:xfrm>
-          <a:prstGeom prst="rect">
-            <a:avLst/>
-          </a:prstGeom>
-          <a:noFill/>
-        </p:spPr>
-        <p:txBody>
-          <a:bodyPr wrap="square" rtlCol="0">
-            <a:spAutoFit/>
-          </a:bodyPr>
-          <a:lstStyle/>
-          <a:p>
-            <a:pPr algn="just">
-              <a:lnSpc>
-                <a:spcPct val="150000"/>
-              </a:lnSpc>
-            </a:pPr>
-            <a:r>
-              <a:rPr lang="en-US" sz="1400" dirty="0"/>
-              <a:t>Characterize the motion of a spring pendulum. Resulting motion is combination of a simple pendulum and a spring. While in a simple pendulum, the length of the string is constant and so is the period, for a spring pendulum, the length of a spring can also change. This additional degree of freedom gives rise to chaotic behavior. This problem is a great example of how the behavior of a dynamical system can depend on nonlinear variable interactions but is not directly dependent on any one variable alone. Equations of motion of the system are:</a:t>
-            </a:r>
-          </a:p>
-        </p:txBody>
-      </p:sp>
-      <p:pic>
-        <p:nvPicPr>
-          <p:cNvPr id="6" name="Picture 5">
-            <a:extLst>
-              <a:ext uri="{FF2B5EF4-FFF2-40B4-BE49-F238E27FC236}">
-                <a16:creationId xmlns:a16="http://schemas.microsoft.com/office/drawing/2014/main" id="{A5F81672-11FC-40D0-B2CA-A36D952B2FC6}"/>
-              </a:ext>
-            </a:extLst>
-          </p:cNvPr>
-          <p:cNvPicPr>
-            <a:picLocks noChangeAspect="1"/>
-          </p:cNvPicPr>
-          <p:nvPr/>
-        </p:nvPicPr>
-        <p:blipFill rotWithShape="1">
-          <a:blip r:embed="rId2">
-            <a:extLst>
-              <a:ext uri="{28A0092B-C50C-407E-A947-70E740481C1C}">
-                <a14:useLocalDpi xmlns:a14="http://schemas.microsoft.com/office/drawing/2010/main" val="0"/>
-              </a:ext>
-            </a:extLst>
-          </a:blip>
-          <a:srcRect l="4405" r="19001"/>
-          <a:stretch/>
-        </p:blipFill>
-        <p:spPr>
-          <a:xfrm>
-            <a:off x="1103769" y="3458033"/>
-            <a:ext cx="3514236" cy="1208583"/>
-          </a:xfrm>
-          <a:prstGeom prst="rect">
-            <a:avLst/>
-          </a:prstGeom>
-        </p:spPr>
-      </p:pic>
-      <p:sp>
-        <p:nvSpPr>
-          <p:cNvPr id="11" name="TextBox 10">
-            <a:extLst>
-              <a:ext uri="{FF2B5EF4-FFF2-40B4-BE49-F238E27FC236}">
-                <a16:creationId xmlns:a16="http://schemas.microsoft.com/office/drawing/2014/main" id="{465AC8A1-842B-4944-808A-2DB5B7FF4901}"/>
-              </a:ext>
-            </a:extLst>
-          </p:cNvPr>
-          <p:cNvSpPr txBox="1"/>
-          <p:nvPr/>
-        </p:nvSpPr>
-        <p:spPr>
-          <a:xfrm>
-            <a:off x="457200" y="4815168"/>
-            <a:ext cx="4502887" cy="2031325"/>
-          </a:xfrm>
-          <a:prstGeom prst="rect">
-            <a:avLst/>
-          </a:prstGeom>
-          <a:noFill/>
-        </p:spPr>
-        <p:txBody>
-          <a:bodyPr wrap="square" rtlCol="0">
-            <a:spAutoFit/>
-          </a:bodyPr>
-          <a:lstStyle/>
-          <a:p>
-            <a:r>
-              <a:rPr lang="en-US" sz="1400" dirty="0"/>
-              <a:t>where:</a:t>
-            </a:r>
-          </a:p>
-          <a:p>
-            <a:endParaRPr lang="en-US" sz="1400" dirty="0"/>
-          </a:p>
-          <a:p>
-            <a:r>
-              <a:rPr lang="en-US" sz="1400" i="1" dirty="0"/>
-              <a:t>m</a:t>
-            </a:r>
-            <a:r>
-              <a:rPr lang="en-US" sz="1400" dirty="0"/>
-              <a:t> = mass of the pendulum</a:t>
-            </a:r>
-          </a:p>
-          <a:p>
-            <a:r>
-              <a:rPr lang="en-US" sz="1400" i="1" dirty="0"/>
-              <a:t>k</a:t>
-            </a:r>
-            <a:r>
-              <a:rPr lang="en-US" sz="1400" dirty="0"/>
-              <a:t> = spring constant</a:t>
-            </a:r>
-          </a:p>
-          <a:p>
-            <a:r>
-              <a:rPr lang="en-US" sz="1400" i="1" dirty="0"/>
-              <a:t>l</a:t>
-            </a:r>
-            <a:r>
-              <a:rPr lang="en-US" sz="1400" dirty="0"/>
-              <a:t> = un-stretched length of the pendulum</a:t>
-            </a:r>
-          </a:p>
-          <a:p>
-            <a:r>
-              <a:rPr lang="en-US" sz="1400" i="1" dirty="0"/>
-              <a:t>x</a:t>
-            </a:r>
-            <a:r>
-              <a:rPr lang="en-US" sz="1400" dirty="0"/>
-              <a:t> = stretch</a:t>
-            </a:r>
-          </a:p>
-          <a:p>
-            <a:r>
-              <a:rPr lang="en-US" sz="1400" i="1" dirty="0"/>
-              <a:t>g</a:t>
-            </a:r>
-            <a:r>
-              <a:rPr lang="en-US" sz="1400" dirty="0"/>
-              <a:t> = acceleration due to gravity</a:t>
-            </a:r>
-          </a:p>
-          <a:p>
-            <a:r>
-              <a:rPr lang="en-US" sz="1400" i="1" dirty="0"/>
-              <a:t>θ</a:t>
-            </a:r>
-            <a:r>
-              <a:rPr lang="en-US" sz="1400" dirty="0"/>
-              <a:t> =  swing degrees-of-freedom</a:t>
-            </a:r>
-          </a:p>
-          <a:p>
-            <a:r>
-              <a:rPr lang="en-US" sz="1400" dirty="0"/>
-              <a:t>	</a:t>
-            </a:r>
-            <a:endParaRPr lang="en-US" sz="1400" baseline="-25000" dirty="0"/>
-          </a:p>
-        </p:txBody>
-      </p:sp>
-      <p:pic>
-        <p:nvPicPr>
-          <p:cNvPr id="13" name="Picture 12">
-            <a:extLst>
-              <a:ext uri="{FF2B5EF4-FFF2-40B4-BE49-F238E27FC236}">
-                <a16:creationId xmlns:a16="http://schemas.microsoft.com/office/drawing/2014/main" id="{DC0FBAE6-7DAF-46DB-9627-E8A80812338D}"/>
-              </a:ext>
-            </a:extLst>
-          </p:cNvPr>
-          <p:cNvPicPr>
-            <a:picLocks noChangeAspect="1"/>
-          </p:cNvPicPr>
-          <p:nvPr/>
-        </p:nvPicPr>
-        <p:blipFill rotWithShape="1">
-          <a:blip r:embed="rId3">
-            <a:extLst>
-              <a:ext uri="{28A0092B-C50C-407E-A947-70E740481C1C}">
-                <a14:useLocalDpi xmlns:a14="http://schemas.microsoft.com/office/drawing/2010/main" val="0"/>
-              </a:ext>
-            </a:extLst>
-          </a:blip>
-          <a:srcRect l="16665" t="11406" r="21437" b="4954"/>
-          <a:stretch/>
-        </p:blipFill>
-        <p:spPr>
-          <a:xfrm>
-            <a:off x="5580084" y="3605818"/>
-            <a:ext cx="2829676" cy="2418699"/>
-          </a:xfrm>
-          <a:prstGeom prst="rect">
-            <a:avLst/>
-          </a:prstGeom>
-        </p:spPr>
-      </p:pic>
-    </p:spTree>
-    <p:extLst>
-      <p:ext uri="{BB962C8B-B14F-4D97-AF65-F5344CB8AC3E}">
-        <p14:creationId xmlns:p14="http://schemas.microsoft.com/office/powerpoint/2010/main" val="2160141097"/>
-      </p:ext>
-    </p:extLst>
-  </p:cSld>
-  <p:clrMapOvr>
-    <a:masterClrMapping/>
-  </p:clrMapOvr>
-</p:sld>
-</file>
-
-<file path=ppt/slides/slide9.xml><?xml version="1.0" encoding="utf-8"?>
-<p:sld xmlns:a="http://schemas.openxmlformats.org/drawingml/2006/main" xmlns:r="http://schemas.openxmlformats.org/officeDocument/2006/relationships" xmlns:p="http://schemas.openxmlformats.org/presentationml/2006/main">
-  <p:cSld>
-    <p:spTree>
-      <p:nvGrpSpPr>
-        <p:cNvPr id="1" name=""/>
-        <p:cNvGrpSpPr/>
-        <p:nvPr/>
-      </p:nvGrpSpPr>
-      <p:grpSpPr>
-        <a:xfrm>
-          <a:off x="0" y="0"/>
-          <a:ext cx="0" cy="0"/>
-          <a:chOff x="0" y="0"/>
-          <a:chExt cx="0" cy="0"/>
-        </a:xfrm>
-      </p:grpSpPr>
-      <p:pic>
-        <p:nvPicPr>
-          <p:cNvPr id="5" name="Picture 4">
-            <a:extLst>
-              <a:ext uri="{FF2B5EF4-FFF2-40B4-BE49-F238E27FC236}">
-                <a16:creationId xmlns:a16="http://schemas.microsoft.com/office/drawing/2014/main" id="{521E1E45-3E1F-4166-857F-D22193302013}"/>
-              </a:ext>
-            </a:extLst>
-          </p:cNvPr>
-          <p:cNvPicPr>
-            <a:picLocks noChangeAspect="1"/>
-          </p:cNvPicPr>
-          <p:nvPr/>
-        </p:nvPicPr>
-        <p:blipFill rotWithShape="1">
-          <a:blip r:embed="rId4">
-            <a:extLst>
-              <a:ext uri="{28A0092B-C50C-407E-A947-70E740481C1C}">
-                <a14:useLocalDpi xmlns:a14="http://schemas.microsoft.com/office/drawing/2010/main" val="0"/>
-              </a:ext>
-            </a:extLst>
-          </a:blip>
-          <a:srcRect l="3667" t="1014" r="33270"/>
-          <a:stretch/>
-        </p:blipFill>
-        <p:spPr>
-          <a:xfrm>
-            <a:off x="717569" y="1107347"/>
-            <a:ext cx="2747084" cy="5750652"/>
-          </a:xfrm>
-          <a:prstGeom prst="rect">
-            <a:avLst/>
-          </a:prstGeom>
-        </p:spPr>
-      </p:pic>
-      <p:pic>
-        <p:nvPicPr>
-          <p:cNvPr id="4" name="SpringPendulum.avi">
-            <a:hlinkClick r:id="" action="ppaction://media"/>
-            <a:extLst>
-              <a:ext uri="{FF2B5EF4-FFF2-40B4-BE49-F238E27FC236}">
-                <a16:creationId xmlns:a16="http://schemas.microsoft.com/office/drawing/2014/main" id="{389A6F72-96EA-46A5-B7C7-D82E8213022D}"/>
-              </a:ext>
-            </a:extLst>
-          </p:cNvPr>
-          <p:cNvPicPr>
-            <a:picLocks noChangeAspect="1"/>
-          </p:cNvPicPr>
-          <p:nvPr>
-            <a:videoFile r:link="rId2"/>
-            <p:extLst>
-              <p:ext uri="{DAA4B4D4-6D71-4841-9C94-3DE7FCFB9230}">
-                <p14:media xmlns:p14="http://schemas.microsoft.com/office/powerpoint/2010/main" r:embed="rId1"/>
-              </p:ext>
-            </p:extLst>
-          </p:nvPr>
-        </p:nvPicPr>
-        <p:blipFill>
-          <a:blip r:embed="rId5"/>
-          <a:stretch>
-            <a:fillRect/>
-          </a:stretch>
-        </p:blipFill>
-        <p:spPr>
-          <a:xfrm>
-            <a:off x="4001549" y="1950266"/>
-            <a:ext cx="4572000" cy="3429000"/>
-          </a:xfrm>
-          <a:prstGeom prst="rect">
-            <a:avLst/>
-          </a:prstGeom>
-        </p:spPr>
-      </p:pic>
-      <p:sp>
-        <p:nvSpPr>
-          <p:cNvPr id="2" name="Title 1"/>
-          <p:cNvSpPr>
-            <a:spLocks noGrp="1"/>
-          </p:cNvSpPr>
-          <p:nvPr>
-            <p:ph type="title"/>
-          </p:nvPr>
-        </p:nvSpPr>
-        <p:spPr/>
-        <p:txBody>
-          <a:bodyPr/>
-          <a:lstStyle/>
-          <a:p>
-            <a:r>
-              <a:rPr lang="en-US" sz="1800" dirty="0"/>
-              <a:t>Project #2: Spring Pendulum</a:t>
-            </a:r>
-            <a:br>
-              <a:rPr lang="en-US" sz="1800" dirty="0"/>
-            </a:br>
-            <a:r>
-              <a:rPr lang="en-US" sz="1200" dirty="0"/>
-              <a:t>(The problem)</a:t>
-            </a:r>
-          </a:p>
-        </p:txBody>
-      </p:sp>
-      <p:sp>
-        <p:nvSpPr>
-          <p:cNvPr id="7" name="Footer Placeholder 6"/>
-          <p:cNvSpPr>
-            <a:spLocks noGrp="1"/>
-          </p:cNvSpPr>
-          <p:nvPr>
-            <p:ph type="ftr" sz="quarter" idx="11"/>
-          </p:nvPr>
-        </p:nvSpPr>
-        <p:spPr/>
-        <p:txBody>
-          <a:bodyPr/>
-          <a:lstStyle/>
-          <a:p>
-            <a:pPr>
-              <a:defRPr/>
-            </a:pPr>
-            <a:r>
-              <a:rPr lang="en-US"/>
-              <a:t>NASA IV&amp;V JSTAR </a:t>
-            </a:r>
-          </a:p>
-        </p:txBody>
-      </p:sp>
-      <p:sp>
-        <p:nvSpPr>
-          <p:cNvPr id="8" name="Slide Number Placeholder 7"/>
-          <p:cNvSpPr>
-            <a:spLocks noGrp="1"/>
-          </p:cNvSpPr>
-          <p:nvPr>
-            <p:ph type="sldNum" sz="quarter" idx="12"/>
-          </p:nvPr>
-        </p:nvSpPr>
-        <p:spPr/>
-        <p:txBody>
-          <a:bodyPr/>
-          <a:lstStyle/>
-          <a:p>
-            <a:pPr>
-              <a:defRPr/>
-            </a:pPr>
-            <a:fld id="{08B9903D-9ED2-41E9-8FF0-FF34DB8B2518}" type="slidenum">
-              <a:rPr lang="en-US" smtClean="0"/>
-              <a:pPr>
-                <a:defRPr/>
-              </a:pPr>
-              <a:t>9</a:t>
-            </a:fld>
-            <a:endParaRPr lang="en-US" dirty="0"/>
-          </a:p>
-        </p:txBody>
-      </p:sp>
-      <p:sp>
-        <p:nvSpPr>
-          <p:cNvPr id="9" name="TextBox 8">
-            <a:extLst>
-              <a:ext uri="{FF2B5EF4-FFF2-40B4-BE49-F238E27FC236}">
-                <a16:creationId xmlns:a16="http://schemas.microsoft.com/office/drawing/2014/main" id="{7D9F1A11-7CB1-4D44-93A8-5F48688016FE}"/>
-              </a:ext>
-            </a:extLst>
-          </p:cNvPr>
-          <p:cNvSpPr txBox="1"/>
-          <p:nvPr/>
-        </p:nvSpPr>
-        <p:spPr>
-          <a:xfrm>
-            <a:off x="333810" y="1403233"/>
-            <a:ext cx="8381866" cy="553998"/>
-          </a:xfrm>
-          <a:prstGeom prst="rect">
-            <a:avLst/>
-          </a:prstGeom>
-          <a:noFill/>
-        </p:spPr>
-        <p:txBody>
-          <a:bodyPr wrap="square" rtlCol="0">
-            <a:spAutoFit/>
-          </a:bodyPr>
-          <a:lstStyle/>
-          <a:p>
-            <a:pPr marL="285750" indent="-285750">
-              <a:buFont typeface="Arial" panose="020B0604020202020204" pitchFamily="34" charset="0"/>
-              <a:buChar char="•"/>
-            </a:pPr>
-            <a:endParaRPr lang="en-US" sz="1200" dirty="0"/>
-          </a:p>
-          <a:p>
-            <a:endParaRPr lang="en-US" dirty="0"/>
-          </a:p>
-        </p:txBody>
-      </p:sp>
-    </p:spTree>
-    <p:extLst>
-      <p:ext uri="{BB962C8B-B14F-4D97-AF65-F5344CB8AC3E}">
-        <p14:creationId xmlns:p14="http://schemas.microsoft.com/office/powerpoint/2010/main" val="760327710"/>
-      </p:ext>
-    </p:extLst>
-  </p:cSld>
-  <p:clrMapOvr>
-    <a:masterClrMapping/>
-  </p:clrMapOvr>
-  <p:timing>
-    <p:tnLst>
-      <p:par>
-        <p:cTn id="1" dur="indefinite" restart="never" nodeType="tmRoot">
-          <p:childTnLst>
-            <p:seq concurrent="1" nextAc="seek">
-              <p:cTn id="2" restart="whenNotActive" fill="hold" evtFilter="cancelBubble" nodeType="interactiveSeq">
-                <p:stCondLst>
-                  <p:cond evt="onClick" delay="0">
-                    <p:tgtEl>
-                      <p:spTgt spid="4"/>
-                    </p:tgtEl>
-                  </p:cond>
-                </p:stCondLst>
-                <p:endSync evt="end" delay="0">
-                  <p:rtn val="all"/>
-                </p:endSync>
-                <p:childTnLst>
-                  <p:par>
-                    <p:cTn id="3" fill="hold">
-                      <p:stCondLst>
-                        <p:cond delay="0"/>
-                      </p:stCondLst>
-                      <p:childTnLst>
-                        <p:par>
-                          <p:cTn id="4" fill="hold">
-                            <p:stCondLst>
-                              <p:cond delay="0"/>
-                            </p:stCondLst>
-                            <p:childTnLst>
-                              <p:par>
-                                <p:cTn id="5" presetID="2" presetClass="mediacall" presetSubtype="0" fill="hold" nodeType="clickEffect">
-                                  <p:stCondLst>
-                                    <p:cond delay="0"/>
-                                  </p:stCondLst>
-                                  <p:childTnLst>
-                                    <p:cmd type="call" cmd="togglePause">
-                                      <p:cBhvr>
-                                        <p:cTn id="6" dur="1" fill="hold"/>
-                                        <p:tgtEl>
-                                          <p:spTgt spid="4"/>
-                                        </p:tgtEl>
-                                      </p:cBhvr>
-                                    </p:cmd>
-                                  </p:childTnLst>
-                                </p:cTn>
-                              </p:par>
-                            </p:childTnLst>
-                          </p:cTn>
-                        </p:par>
-                      </p:childTnLst>
-                    </p:cTn>
-                  </p:par>
-                </p:childTnLst>
-              </p:cTn>
-              <p:nextCondLst>
-                <p:cond evt="onClick" delay="0">
-                  <p:tgtEl>
-                    <p:spTgt spid="4"/>
-                  </p:tgtEl>
-                </p:cond>
-              </p:nextCondLst>
-            </p:seq>
-            <p:video>
-              <p:cMediaNode vol="80000">
-                <p:cTn id="7" fill="hold" display="0">
-                  <p:stCondLst>
-                    <p:cond delay="indefinite"/>
-                  </p:stCondLst>
-                </p:cTn>
-                <p:tgtEl>
-                  <p:spTgt spid="4"/>
-                </p:tgtEl>
-              </p:cMediaNode>
-            </p:video>
-          </p:childTnLst>
-        </p:cTn>
-      </p:par>
-    </p:tnLst>
-  </p:timing>
 </p:sld>
 </file>
 
